--- a/static/uploads/slides/ppt/Morphological Charts.pptx
+++ b/static/uploads/slides/ppt/Morphological Charts.pptx
@@ -2185,7 +2185,7 @@
           </a:ln>
           <a:extLst>
             <a:ext uri="{C572A759-6A51-4108-AA02-DFA0A04FC94B}">
-              <ma14:wrappingTextBoxFlag xmlns="" xmlns:ma14="http://schemas.microsoft.com/office/mac/drawingml/2011/main" val="1"/>
+              <ma14:wrappingTextBoxFlag xmlns:ma14="http://schemas.microsoft.com/office/mac/drawingml/2011/main" xmlns="" val="1"/>
             </a:ext>
           </a:extLst>
         </p:spPr>
@@ -2224,7 +2224,7 @@
           </a:ln>
           <a:extLst>
             <a:ext uri="{C572A759-6A51-4108-AA02-DFA0A04FC94B}">
-              <ma14:wrappingTextBoxFlag xmlns="" xmlns:ma14="http://schemas.microsoft.com/office/mac/drawingml/2011/main" val="1"/>
+              <ma14:wrappingTextBoxFlag xmlns:ma14="http://schemas.microsoft.com/office/mac/drawingml/2011/main" xmlns="" val="1"/>
             </a:ext>
           </a:extLst>
         </p:spPr>
@@ -3211,7 +3211,7 @@
             </a:ln>
             <a:extLst>
               <a:ext uri="{C572A759-6A51-4108-AA02-DFA0A04FC94B}">
-                <ma14:wrappingTextBoxFlag xmlns="" xmlns:ma14="http://schemas.microsoft.com/office/mac/drawingml/2011/main" val="1"/>
+                <ma14:wrappingTextBoxFlag xmlns:ma14="http://schemas.microsoft.com/office/mac/drawingml/2011/main" xmlns="" val="1"/>
               </a:ext>
             </a:extLst>
           </p:spPr>
@@ -3350,7 +3350,7 @@
             </a:ln>
             <a:extLst>
               <a:ext uri="{C572A759-6A51-4108-AA02-DFA0A04FC94B}">
-                <ma14:wrappingTextBoxFlag xmlns="" xmlns:ma14="http://schemas.microsoft.com/office/mac/drawingml/2011/main" val="1"/>
+                <ma14:wrappingTextBoxFlag xmlns:ma14="http://schemas.microsoft.com/office/mac/drawingml/2011/main" xmlns="" val="1"/>
               </a:ext>
             </a:extLst>
           </p:spPr>
@@ -3394,15 +3394,7 @@
               </a:r>
               <a:r>
                 <a:rPr lang="en-AU" dirty="0" err="1"/>
-                <a:t>www.fl</a:t>
-              </a:r>
-              <a:r>
-                <a:rPr lang="en-AU" dirty="0"/>
-                <a:t> </a:t>
-              </a:r>
-              <a:r>
-                <a:rPr lang="en-AU" dirty="0" err="1"/>
-                <a:t>ickr.com</a:t>
+                <a:t>www.flickr.com</a:t>
               </a:r>
               <a:r>
                 <a:rPr lang="en-AU" dirty="0"/>
@@ -3544,7 +3536,7 @@
             </a:ln>
             <a:extLst>
               <a:ext uri="{C572A759-6A51-4108-AA02-DFA0A04FC94B}">
-                <ma14:wrappingTextBoxFlag xmlns="" xmlns:ma14="http://schemas.microsoft.com/office/mac/drawingml/2011/main" val="1"/>
+                <ma14:wrappingTextBoxFlag xmlns:ma14="http://schemas.microsoft.com/office/mac/drawingml/2011/main" xmlns="" val="1"/>
               </a:ext>
             </a:extLst>
           </p:spPr>
@@ -3595,7 +3587,7 @@
             </a:ln>
             <a:extLst>
               <a:ext uri="{C572A759-6A51-4108-AA02-DFA0A04FC94B}">
-                <ma14:wrappingTextBoxFlag xmlns="" xmlns:ma14="http://schemas.microsoft.com/office/mac/drawingml/2011/main" val="1"/>
+                <ma14:wrappingTextBoxFlag xmlns:ma14="http://schemas.microsoft.com/office/mac/drawingml/2011/main" xmlns="" val="1"/>
               </a:ext>
             </a:extLst>
           </p:spPr>
@@ -3774,7 +3766,7 @@
             </a:ln>
             <a:extLst>
               <a:ext uri="{C572A759-6A51-4108-AA02-DFA0A04FC94B}">
-                <ma14:wrappingTextBoxFlag xmlns="" xmlns:ma14="http://schemas.microsoft.com/office/mac/drawingml/2011/main" val="1"/>
+                <ma14:wrappingTextBoxFlag xmlns:ma14="http://schemas.microsoft.com/office/mac/drawingml/2011/main" xmlns="" val="1"/>
               </a:ext>
             </a:extLst>
           </p:spPr>
@@ -3968,7 +3960,7 @@
             </a:ln>
             <a:extLst>
               <a:ext uri="{C572A759-6A51-4108-AA02-DFA0A04FC94B}">
-                <ma14:wrappingTextBoxFlag xmlns="" xmlns:ma14="http://schemas.microsoft.com/office/mac/drawingml/2011/main" val="1"/>
+                <ma14:wrappingTextBoxFlag xmlns:ma14="http://schemas.microsoft.com/office/mac/drawingml/2011/main" xmlns="" val="1"/>
               </a:ext>
             </a:extLst>
           </p:spPr>
@@ -4063,7 +4055,7 @@
             </a:ln>
             <a:extLst>
               <a:ext uri="{C572A759-6A51-4108-AA02-DFA0A04FC94B}">
-                <ma14:wrappingTextBoxFlag xmlns="" xmlns:ma14="http://schemas.microsoft.com/office/mac/drawingml/2011/main" val="1"/>
+                <ma14:wrappingTextBoxFlag xmlns:ma14="http://schemas.microsoft.com/office/mac/drawingml/2011/main" xmlns="" val="1"/>
               </a:ext>
             </a:extLst>
           </p:spPr>
@@ -4154,7 +4146,7 @@
             </a:ln>
             <a:extLst>
               <a:ext uri="{C572A759-6A51-4108-AA02-DFA0A04FC94B}">
-                <ma14:wrappingTextBoxFlag xmlns="" xmlns:ma14="http://schemas.microsoft.com/office/mac/drawingml/2011/main" val="1"/>
+                <ma14:wrappingTextBoxFlag xmlns:ma14="http://schemas.microsoft.com/office/mac/drawingml/2011/main" xmlns="" val="1"/>
               </a:ext>
             </a:extLst>
           </p:spPr>
@@ -4333,7 +4325,7 @@
             </a:ln>
             <a:extLst>
               <a:ext uri="{C572A759-6A51-4108-AA02-DFA0A04FC94B}">
-                <ma14:wrappingTextBoxFlag xmlns="" xmlns:ma14="http://schemas.microsoft.com/office/mac/drawingml/2011/main" val="1"/>
+                <ma14:wrappingTextBoxFlag xmlns:ma14="http://schemas.microsoft.com/office/mac/drawingml/2011/main" xmlns="" val="1"/>
               </a:ext>
             </a:extLst>
           </p:spPr>
@@ -4549,7 +4541,7 @@
             </a:ln>
             <a:extLst>
               <a:ext uri="{C572A759-6A51-4108-AA02-DFA0A04FC94B}">
-                <ma14:wrappingTextBoxFlag xmlns="" xmlns:ma14="http://schemas.microsoft.com/office/mac/drawingml/2011/main" val="1"/>
+                <ma14:wrappingTextBoxFlag xmlns:ma14="http://schemas.microsoft.com/office/mac/drawingml/2011/main" xmlns="" val="1"/>
               </a:ext>
             </a:extLst>
           </p:spPr>
@@ -4597,7 +4589,7 @@
             </a:ln>
             <a:extLst>
               <a:ext uri="{C572A759-6A51-4108-AA02-DFA0A04FC94B}">
-                <ma14:wrappingTextBoxFlag xmlns="" xmlns:ma14="http://schemas.microsoft.com/office/mac/drawingml/2011/main" val="1"/>
+                <ma14:wrappingTextBoxFlag xmlns:ma14="http://schemas.microsoft.com/office/mac/drawingml/2011/main" xmlns="" val="1"/>
               </a:ext>
             </a:extLst>
           </p:spPr>
@@ -4652,7 +4644,7 @@
           </a:ln>
           <a:extLst>
             <a:ext uri="{C572A759-6A51-4108-AA02-DFA0A04FC94B}">
-              <ma14:wrappingTextBoxFlag xmlns="" xmlns:ma14="http://schemas.microsoft.com/office/mac/drawingml/2011/main" val="1"/>
+              <ma14:wrappingTextBoxFlag xmlns:ma14="http://schemas.microsoft.com/office/mac/drawingml/2011/main" xmlns="" val="1"/>
             </a:ext>
           </a:extLst>
         </p:spPr>
@@ -4763,7 +4755,7 @@
           </a:ln>
           <a:extLst>
             <a:ext uri="{C572A759-6A51-4108-AA02-DFA0A04FC94B}">
-              <ma14:wrappingTextBoxFlag xmlns="" xmlns:ma14="http://schemas.microsoft.com/office/mac/drawingml/2011/main" val="1"/>
+              <ma14:wrappingTextBoxFlag xmlns:ma14="http://schemas.microsoft.com/office/mac/drawingml/2011/main" xmlns="" val="1"/>
             </a:ext>
           </a:extLst>
         </p:spPr>
@@ -4811,7 +4803,7 @@
           </a:ln>
           <a:extLst>
             <a:ext uri="{C572A759-6A51-4108-AA02-DFA0A04FC94B}">
-              <ma14:wrappingTextBoxFlag xmlns="" xmlns:ma14="http://schemas.microsoft.com/office/mac/drawingml/2011/main" val="1"/>
+              <ma14:wrappingTextBoxFlag xmlns:ma14="http://schemas.microsoft.com/office/mac/drawingml/2011/main" xmlns="" val="1"/>
             </a:ext>
           </a:extLst>
         </p:spPr>
@@ -4867,7 +4859,7 @@
           </a:ln>
           <a:extLst>
             <a:ext uri="{C572A759-6A51-4108-AA02-DFA0A04FC94B}">
-              <ma14:wrappingTextBoxFlag xmlns="" xmlns:ma14="http://schemas.microsoft.com/office/mac/drawingml/2011/main" val="1"/>
+              <ma14:wrappingTextBoxFlag xmlns:ma14="http://schemas.microsoft.com/office/mac/drawingml/2011/main" xmlns="" val="1"/>
             </a:ext>
           </a:extLst>
         </p:spPr>
@@ -4992,7 +4984,7 @@
           </a:ln>
           <a:extLst>
             <a:ext uri="{C572A759-6A51-4108-AA02-DFA0A04FC94B}">
-              <ma14:wrappingTextBoxFlag xmlns="" xmlns:ma14="http://schemas.microsoft.com/office/mac/drawingml/2011/main" val="1"/>
+              <ma14:wrappingTextBoxFlag xmlns:ma14="http://schemas.microsoft.com/office/mac/drawingml/2011/main" xmlns="" val="1"/>
             </a:ext>
           </a:extLst>
         </p:spPr>
@@ -5037,7 +5029,7 @@
           </a:ln>
           <a:extLst>
             <a:ext uri="{C572A759-6A51-4108-AA02-DFA0A04FC94B}">
-              <ma14:wrappingTextBoxFlag xmlns="" xmlns:ma14="http://schemas.microsoft.com/office/mac/drawingml/2011/main" val="1"/>
+              <ma14:wrappingTextBoxFlag xmlns:ma14="http://schemas.microsoft.com/office/mac/drawingml/2011/main" xmlns="" val="1"/>
             </a:ext>
           </a:extLst>
         </p:spPr>
@@ -5089,7 +5081,7 @@
           </a:ln>
           <a:extLst>
             <a:ext uri="{C572A759-6A51-4108-AA02-DFA0A04FC94B}">
-              <ma14:wrappingTextBoxFlag xmlns="" xmlns:ma14="http://schemas.microsoft.com/office/mac/drawingml/2011/main" val="1"/>
+              <ma14:wrappingTextBoxFlag xmlns:ma14="http://schemas.microsoft.com/office/mac/drawingml/2011/main" xmlns="" val="1"/>
             </a:ext>
           </a:extLst>
         </p:spPr>
@@ -5145,7 +5137,7 @@
           </a:ln>
           <a:extLst>
             <a:ext uri="{C572A759-6A51-4108-AA02-DFA0A04FC94B}">
-              <ma14:wrappingTextBoxFlag xmlns="" xmlns:ma14="http://schemas.microsoft.com/office/mac/drawingml/2011/main" val="1"/>
+              <ma14:wrappingTextBoxFlag xmlns:ma14="http://schemas.microsoft.com/office/mac/drawingml/2011/main" xmlns="" val="1"/>
             </a:ext>
           </a:extLst>
         </p:spPr>
@@ -5411,7 +5403,7 @@
             </a:ln>
             <a:extLst>
               <a:ext uri="{C572A759-6A51-4108-AA02-DFA0A04FC94B}">
-                <ma14:wrappingTextBoxFlag xmlns="" xmlns:ma14="http://schemas.microsoft.com/office/mac/drawingml/2011/main" val="1"/>
+                <ma14:wrappingTextBoxFlag xmlns:ma14="http://schemas.microsoft.com/office/mac/drawingml/2011/main" xmlns="" val="1"/>
               </a:ext>
             </a:extLst>
           </p:spPr>
@@ -5466,7 +5458,7 @@
             </a:ln>
             <a:extLst>
               <a:ext uri="{C572A759-6A51-4108-AA02-DFA0A04FC94B}">
-                <ma14:wrappingTextBoxFlag xmlns="" xmlns:ma14="http://schemas.microsoft.com/office/mac/drawingml/2011/main" val="1"/>
+                <ma14:wrappingTextBoxFlag xmlns:ma14="http://schemas.microsoft.com/office/mac/drawingml/2011/main" xmlns="" val="1"/>
               </a:ext>
             </a:extLst>
           </p:spPr>
@@ -5622,7 +5614,7 @@
             </a:ln>
             <a:extLst>
               <a:ext uri="{C572A759-6A51-4108-AA02-DFA0A04FC94B}">
-                <ma14:wrappingTextBoxFlag xmlns="" xmlns:ma14="http://schemas.microsoft.com/office/mac/drawingml/2011/main" val="1"/>
+                <ma14:wrappingTextBoxFlag xmlns:ma14="http://schemas.microsoft.com/office/mac/drawingml/2011/main" xmlns="" val="1"/>
               </a:ext>
             </a:extLst>
           </p:spPr>
@@ -5725,7 +5717,7 @@
             </a:ln>
             <a:extLst>
               <a:ext uri="{C572A759-6A51-4108-AA02-DFA0A04FC94B}">
-                <ma14:wrappingTextBoxFlag xmlns="" xmlns:ma14="http://schemas.microsoft.com/office/mac/drawingml/2011/main" val="1"/>
+                <ma14:wrappingTextBoxFlag xmlns:ma14="http://schemas.microsoft.com/office/mac/drawingml/2011/main" xmlns="" val="1"/>
               </a:ext>
             </a:extLst>
           </p:spPr>
@@ -5773,7 +5765,7 @@
             </a:ln>
             <a:extLst>
               <a:ext uri="{C572A759-6A51-4108-AA02-DFA0A04FC94B}">
-                <ma14:wrappingTextBoxFlag xmlns="" xmlns:ma14="http://schemas.microsoft.com/office/mac/drawingml/2011/main" val="1"/>
+                <ma14:wrappingTextBoxFlag xmlns:ma14="http://schemas.microsoft.com/office/mac/drawingml/2011/main" xmlns="" val="1"/>
               </a:ext>
             </a:extLst>
           </p:spPr>
@@ -5821,7 +5813,7 @@
             </a:ln>
             <a:extLst>
               <a:ext uri="{C572A759-6A51-4108-AA02-DFA0A04FC94B}">
-                <ma14:wrappingTextBoxFlag xmlns="" xmlns:ma14="http://schemas.microsoft.com/office/mac/drawingml/2011/main" val="1"/>
+                <ma14:wrappingTextBoxFlag xmlns:ma14="http://schemas.microsoft.com/office/mac/drawingml/2011/main" xmlns="" val="1"/>
               </a:ext>
             </a:extLst>
           </p:spPr>
@@ -5869,7 +5861,7 @@
             </a:ln>
             <a:extLst>
               <a:ext uri="{C572A759-6A51-4108-AA02-DFA0A04FC94B}">
-                <ma14:wrappingTextBoxFlag xmlns="" xmlns:ma14="http://schemas.microsoft.com/office/mac/drawingml/2011/main" val="1"/>
+                <ma14:wrappingTextBoxFlag xmlns:ma14="http://schemas.microsoft.com/office/mac/drawingml/2011/main" xmlns="" val="1"/>
               </a:ext>
             </a:extLst>
           </p:spPr>
@@ -6028,7 +6020,7 @@
             </a:ln>
             <a:extLst>
               <a:ext uri="{C572A759-6A51-4108-AA02-DFA0A04FC94B}">
-                <ma14:wrappingTextBoxFlag xmlns="" xmlns:ma14="http://schemas.microsoft.com/office/mac/drawingml/2011/main" val="1"/>
+                <ma14:wrappingTextBoxFlag xmlns:ma14="http://schemas.microsoft.com/office/mac/drawingml/2011/main" xmlns="" val="1"/>
               </a:ext>
             </a:extLst>
           </p:spPr>
@@ -6193,7 +6185,7 @@
             </a:ln>
             <a:extLst>
               <a:ext uri="{C572A759-6A51-4108-AA02-DFA0A04FC94B}">
-                <ma14:wrappingTextBoxFlag xmlns="" xmlns:ma14="http://schemas.microsoft.com/office/mac/drawingml/2011/main" val="1"/>
+                <ma14:wrappingTextBoxFlag xmlns:ma14="http://schemas.microsoft.com/office/mac/drawingml/2011/main" xmlns="" val="1"/>
               </a:ext>
             </a:extLst>
           </p:spPr>
@@ -6247,7 +6239,7 @@
             </a:ln>
             <a:extLst>
               <a:ext uri="{C572A759-6A51-4108-AA02-DFA0A04FC94B}">
-                <ma14:wrappingTextBoxFlag xmlns="" xmlns:ma14="http://schemas.microsoft.com/office/mac/drawingml/2011/main" val="1"/>
+                <ma14:wrappingTextBoxFlag xmlns:ma14="http://schemas.microsoft.com/office/mac/drawingml/2011/main" xmlns="" val="1"/>
               </a:ext>
             </a:extLst>
           </p:spPr>
@@ -6295,7 +6287,7 @@
             </a:ln>
             <a:extLst>
               <a:ext uri="{C572A759-6A51-4108-AA02-DFA0A04FC94B}">
-                <ma14:wrappingTextBoxFlag xmlns="" xmlns:ma14="http://schemas.microsoft.com/office/mac/drawingml/2011/main" val="1"/>
+                <ma14:wrappingTextBoxFlag xmlns:ma14="http://schemas.microsoft.com/office/mac/drawingml/2011/main" xmlns="" val="1"/>
               </a:ext>
             </a:extLst>
           </p:spPr>
@@ -6324,10 +6316,10 @@
       </p:grpSp>
       <p:sp>
         <p:nvSpPr>
-          <p:cNvPr id="33" name="Shape 123">
+          <p:cNvPr id="35" name="Shape 123">
             <a:extLst>
               <a:ext uri="{FF2B5EF4-FFF2-40B4-BE49-F238E27FC236}">
-                <a16:creationId xmlns:a16="http://schemas.microsoft.com/office/drawing/2014/main" id="{5849F44C-6552-8D42-88CD-B6DC82DC9F56}"/>
+                <a16:creationId xmlns:a16="http://schemas.microsoft.com/office/drawing/2014/main" id="{80F86ECE-BACB-1148-8276-9B8A1FFA6D5D}"/>
               </a:ext>
             </a:extLst>
           </p:cNvPr>
@@ -6347,7 +6339,7 @@
           </a:ln>
           <a:extLst>
             <a:ext uri="{C572A759-6A51-4108-AA02-DFA0A04FC94B}">
-              <ma14:wrappingTextBoxFlag xmlns="" xmlns:ma14="http://schemas.microsoft.com/office/mac/drawingml/2011/main" val="1"/>
+              <ma14:wrappingTextBoxFlag xmlns:ma14="http://schemas.microsoft.com/office/mac/drawingml/2011/main" xmlns="" val="1"/>
             </a:ext>
           </a:extLst>
         </p:spPr>
@@ -6391,15 +6383,7 @@
             </a:r>
             <a:r>
               <a:rPr lang="en-AU" dirty="0" err="1"/>
-              <a:t>www.fl</a:t>
-            </a:r>
-            <a:r>
-              <a:rPr lang="en-AU" dirty="0"/>
-              <a:t> </a:t>
-            </a:r>
-            <a:r>
-              <a:rPr lang="en-AU" dirty="0" err="1"/>
-              <a:t>ickr.com</a:t>
+              <a:t>www.flickr.com</a:t>
             </a:r>
             <a:r>
               <a:rPr lang="en-AU" dirty="0"/>
@@ -6459,7 +6443,7 @@
           </a:ln>
           <a:extLst>
             <a:ext uri="{C572A759-6A51-4108-AA02-DFA0A04FC94B}">
-              <ma14:wrappingTextBoxFlag xmlns="" xmlns:ma14="http://schemas.microsoft.com/office/mac/drawingml/2011/main" val="1"/>
+              <ma14:wrappingTextBoxFlag xmlns:ma14="http://schemas.microsoft.com/office/mac/drawingml/2011/main" xmlns="" val="1"/>
             </a:ext>
           </a:extLst>
         </p:spPr>
@@ -6513,7 +6497,7 @@
           </a:ln>
           <a:extLst>
             <a:ext uri="{C572A759-6A51-4108-AA02-DFA0A04FC94B}">
-              <ma14:wrappingTextBoxFlag xmlns="" xmlns:ma14="http://schemas.microsoft.com/office/mac/drawingml/2011/main" val="1"/>
+              <ma14:wrappingTextBoxFlag xmlns:ma14="http://schemas.microsoft.com/office/mac/drawingml/2011/main" xmlns="" val="1"/>
             </a:ext>
           </a:extLst>
         </p:spPr>
@@ -6575,7 +6559,7 @@
           </a:ln>
           <a:extLst>
             <a:ext uri="{C572A759-6A51-4108-AA02-DFA0A04FC94B}">
-              <ma14:wrappingTextBoxFlag xmlns="" xmlns:ma14="http://schemas.microsoft.com/office/mac/drawingml/2011/main" val="1"/>
+              <ma14:wrappingTextBoxFlag xmlns:ma14="http://schemas.microsoft.com/office/mac/drawingml/2011/main" xmlns="" val="1"/>
             </a:ext>
           </a:extLst>
         </p:spPr>
@@ -6637,7 +6621,7 @@
           </a:ln>
           <a:extLst>
             <a:ext uri="{C572A759-6A51-4108-AA02-DFA0A04FC94B}">
-              <ma14:wrappingTextBoxFlag xmlns="" xmlns:ma14="http://schemas.microsoft.com/office/mac/drawingml/2011/main" val="1"/>
+              <ma14:wrappingTextBoxFlag xmlns:ma14="http://schemas.microsoft.com/office/mac/drawingml/2011/main" xmlns="" val="1"/>
             </a:ext>
           </a:extLst>
         </p:spPr>
@@ -6695,7 +6679,7 @@
           </a:ln>
           <a:extLst>
             <a:ext uri="{C572A759-6A51-4108-AA02-DFA0A04FC94B}">
-              <ma14:wrappingTextBoxFlag xmlns="" xmlns:ma14="http://schemas.microsoft.com/office/mac/drawingml/2011/main" val="1"/>
+              <ma14:wrappingTextBoxFlag xmlns:ma14="http://schemas.microsoft.com/office/mac/drawingml/2011/main" xmlns="" val="1"/>
             </a:ext>
           </a:extLst>
         </p:spPr>
@@ -6757,7 +6741,7 @@
           </a:ln>
           <a:extLst>
             <a:ext uri="{C572A759-6A51-4108-AA02-DFA0A04FC94B}">
-              <ma14:wrappingTextBoxFlag xmlns="" xmlns:ma14="http://schemas.microsoft.com/office/mac/drawingml/2011/main" val="1"/>
+              <ma14:wrappingTextBoxFlag xmlns:ma14="http://schemas.microsoft.com/office/mac/drawingml/2011/main" xmlns="" val="1"/>
             </a:ext>
           </a:extLst>
         </p:spPr>
@@ -6890,7 +6874,7 @@
           </a:ln>
           <a:extLst>
             <a:ext uri="{C572A759-6A51-4108-AA02-DFA0A04FC94B}">
-              <ma14:wrappingTextBoxFlag xmlns="" xmlns:ma14="http://schemas.microsoft.com/office/mac/drawingml/2011/main" val="1"/>
+              <ma14:wrappingTextBoxFlag xmlns:ma14="http://schemas.microsoft.com/office/mac/drawingml/2011/main" xmlns="" val="1"/>
             </a:ext>
           </a:extLst>
         </p:spPr>
@@ -7069,7 +7053,7 @@
             </a:ln>
             <a:extLst>
               <a:ext uri="{C572A759-6A51-4108-AA02-DFA0A04FC94B}">
-                <ma14:wrappingTextBoxFlag xmlns="" xmlns:ma14="http://schemas.microsoft.com/office/mac/drawingml/2011/main" val="1"/>
+                <ma14:wrappingTextBoxFlag xmlns:ma14="http://schemas.microsoft.com/office/mac/drawingml/2011/main" xmlns="" val="1"/>
               </a:ext>
             </a:extLst>
           </p:spPr>
@@ -7117,7 +7101,7 @@
             </a:ln>
             <a:extLst>
               <a:ext uri="{C572A759-6A51-4108-AA02-DFA0A04FC94B}">
-                <ma14:wrappingTextBoxFlag xmlns="" xmlns:ma14="http://schemas.microsoft.com/office/mac/drawingml/2011/main" val="1"/>
+                <ma14:wrappingTextBoxFlag xmlns:ma14="http://schemas.microsoft.com/office/mac/drawingml/2011/main" xmlns="" val="1"/>
               </a:ext>
             </a:extLst>
           </p:spPr>
@@ -7165,7 +7149,7 @@
             </a:ln>
             <a:extLst>
               <a:ext uri="{C572A759-6A51-4108-AA02-DFA0A04FC94B}">
-                <ma14:wrappingTextBoxFlag xmlns="" xmlns:ma14="http://schemas.microsoft.com/office/mac/drawingml/2011/main" val="1"/>
+                <ma14:wrappingTextBoxFlag xmlns:ma14="http://schemas.microsoft.com/office/mac/drawingml/2011/main" xmlns="" val="1"/>
               </a:ext>
             </a:extLst>
           </p:spPr>
@@ -7213,7 +7197,7 @@
             </a:ln>
             <a:extLst>
               <a:ext uri="{C572A759-6A51-4108-AA02-DFA0A04FC94B}">
-                <ma14:wrappingTextBoxFlag xmlns="" xmlns:ma14="http://schemas.microsoft.com/office/mac/drawingml/2011/main" val="1"/>
+                <ma14:wrappingTextBoxFlag xmlns:ma14="http://schemas.microsoft.com/office/mac/drawingml/2011/main" xmlns="" val="1"/>
               </a:ext>
             </a:extLst>
           </p:spPr>
@@ -7261,7 +7245,7 @@
             </a:ln>
             <a:extLst>
               <a:ext uri="{C572A759-6A51-4108-AA02-DFA0A04FC94B}">
-                <ma14:wrappingTextBoxFlag xmlns="" xmlns:ma14="http://schemas.microsoft.com/office/mac/drawingml/2011/main" val="1"/>
+                <ma14:wrappingTextBoxFlag xmlns:ma14="http://schemas.microsoft.com/office/mac/drawingml/2011/main" xmlns="" val="1"/>
               </a:ext>
             </a:extLst>
           </p:spPr>
@@ -7309,7 +7293,7 @@
             </a:ln>
             <a:extLst>
               <a:ext uri="{C572A759-6A51-4108-AA02-DFA0A04FC94B}">
-                <ma14:wrappingTextBoxFlag xmlns="" xmlns:ma14="http://schemas.microsoft.com/office/mac/drawingml/2011/main" val="1"/>
+                <ma14:wrappingTextBoxFlag xmlns:ma14="http://schemas.microsoft.com/office/mac/drawingml/2011/main" xmlns="" val="1"/>
               </a:ext>
             </a:extLst>
           </p:spPr>
@@ -7360,7 +7344,7 @@
             </a:ln>
             <a:extLst>
               <a:ext uri="{C572A759-6A51-4108-AA02-DFA0A04FC94B}">
-                <ma14:wrappingTextBoxFlag xmlns="" xmlns:ma14="http://schemas.microsoft.com/office/mac/drawingml/2011/main" val="1"/>
+                <ma14:wrappingTextBoxFlag xmlns:ma14="http://schemas.microsoft.com/office/mac/drawingml/2011/main" xmlns="" val="1"/>
               </a:ext>
             </a:extLst>
           </p:spPr>
@@ -7669,7 +7653,7 @@
             </a:ln>
             <a:extLst>
               <a:ext uri="{C572A759-6A51-4108-AA02-DFA0A04FC94B}">
-                <ma14:wrappingTextBoxFlag xmlns="" xmlns:ma14="http://schemas.microsoft.com/office/mac/drawingml/2011/main" val="1"/>
+                <ma14:wrappingTextBoxFlag xmlns:ma14="http://schemas.microsoft.com/office/mac/drawingml/2011/main" xmlns="" val="1"/>
               </a:ext>
             </a:extLst>
           </p:spPr>
@@ -7730,7 +7714,7 @@
             </a:ln>
             <a:extLst>
               <a:ext uri="{C572A759-6A51-4108-AA02-DFA0A04FC94B}">
-                <ma14:wrappingTextBoxFlag xmlns="" xmlns:ma14="http://schemas.microsoft.com/office/mac/drawingml/2011/main" val="1"/>
+                <ma14:wrappingTextBoxFlag xmlns:ma14="http://schemas.microsoft.com/office/mac/drawingml/2011/main" xmlns="" val="1"/>
               </a:ext>
             </a:extLst>
           </p:spPr>
@@ -7904,7 +7888,7 @@
             </a:ln>
             <a:extLst>
               <a:ext uri="{C572A759-6A51-4108-AA02-DFA0A04FC94B}">
-                <ma14:wrappingTextBoxFlag xmlns="" xmlns:ma14="http://schemas.microsoft.com/office/mac/drawingml/2011/main" val="1"/>
+                <ma14:wrappingTextBoxFlag xmlns:ma14="http://schemas.microsoft.com/office/mac/drawingml/2011/main" xmlns="" val="1"/>
               </a:ext>
             </a:extLst>
           </p:spPr>
@@ -7973,7 +7957,7 @@
             </a:ln>
             <a:extLst>
               <a:ext uri="{C572A759-6A51-4108-AA02-DFA0A04FC94B}">
-                <ma14:wrappingTextBoxFlag xmlns="" xmlns:ma14="http://schemas.microsoft.com/office/mac/drawingml/2011/main" val="1"/>
+                <ma14:wrappingTextBoxFlag xmlns:ma14="http://schemas.microsoft.com/office/mac/drawingml/2011/main" xmlns="" val="1"/>
               </a:ext>
             </a:extLst>
           </p:spPr>
@@ -8027,7 +8011,7 @@
             </a:ln>
             <a:extLst>
               <a:ext uri="{C572A759-6A51-4108-AA02-DFA0A04FC94B}">
-                <ma14:wrappingTextBoxFlag xmlns="" xmlns:ma14="http://schemas.microsoft.com/office/mac/drawingml/2011/main" val="1"/>
+                <ma14:wrappingTextBoxFlag xmlns:ma14="http://schemas.microsoft.com/office/mac/drawingml/2011/main" xmlns="" val="1"/>
               </a:ext>
             </a:extLst>
           </p:spPr>
@@ -8204,7 +8188,7 @@
             </a:ln>
             <a:extLst>
               <a:ext uri="{C572A759-6A51-4108-AA02-DFA0A04FC94B}">
-                <ma14:wrappingTextBoxFlag xmlns="" xmlns:ma14="http://schemas.microsoft.com/office/mac/drawingml/2011/main" val="1"/>
+                <ma14:wrappingTextBoxFlag xmlns:ma14="http://schemas.microsoft.com/office/mac/drawingml/2011/main" xmlns="" val="1"/>
               </a:ext>
             </a:extLst>
           </p:spPr>
@@ -8387,7 +8371,7 @@
             </a:ln>
             <a:extLst>
               <a:ext uri="{C572A759-6A51-4108-AA02-DFA0A04FC94B}">
-                <ma14:wrappingTextBoxFlag xmlns="" xmlns:ma14="http://schemas.microsoft.com/office/mac/drawingml/2011/main" val="1"/>
+                <ma14:wrappingTextBoxFlag xmlns:ma14="http://schemas.microsoft.com/office/mac/drawingml/2011/main" xmlns="" val="1"/>
               </a:ext>
             </a:extLst>
           </p:spPr>
@@ -8447,7 +8431,7 @@
             </a:ln>
             <a:extLst>
               <a:ext uri="{C572A759-6A51-4108-AA02-DFA0A04FC94B}">
-                <ma14:wrappingTextBoxFlag xmlns="" xmlns:ma14="http://schemas.microsoft.com/office/mac/drawingml/2011/main" val="1"/>
+                <ma14:wrappingTextBoxFlag xmlns:ma14="http://schemas.microsoft.com/office/mac/drawingml/2011/main" xmlns="" val="1"/>
               </a:ext>
             </a:extLst>
           </p:spPr>
@@ -8501,7 +8485,7 @@
             </a:ln>
             <a:extLst>
               <a:ext uri="{C572A759-6A51-4108-AA02-DFA0A04FC94B}">
-                <ma14:wrappingTextBoxFlag xmlns="" xmlns:ma14="http://schemas.microsoft.com/office/mac/drawingml/2011/main" val="1"/>
+                <ma14:wrappingTextBoxFlag xmlns:ma14="http://schemas.microsoft.com/office/mac/drawingml/2011/main" xmlns="" val="1"/>
               </a:ext>
             </a:extLst>
           </p:spPr>
@@ -8530,10 +8514,10 @@
       </p:grpSp>
       <p:sp>
         <p:nvSpPr>
-          <p:cNvPr id="40" name="Shape 123">
+          <p:cNvPr id="41" name="Shape 123">
             <a:extLst>
               <a:ext uri="{FF2B5EF4-FFF2-40B4-BE49-F238E27FC236}">
-                <a16:creationId xmlns:a16="http://schemas.microsoft.com/office/drawing/2014/main" id="{013EBCB5-89E9-9242-9AF4-FAB2CA582FC1}"/>
+                <a16:creationId xmlns:a16="http://schemas.microsoft.com/office/drawing/2014/main" id="{A3B5BC7F-C1AA-B245-B384-740767BA9F19}"/>
               </a:ext>
             </a:extLst>
           </p:cNvPr>
@@ -8553,7 +8537,7 @@
           </a:ln>
           <a:extLst>
             <a:ext uri="{C572A759-6A51-4108-AA02-DFA0A04FC94B}">
-              <ma14:wrappingTextBoxFlag xmlns="" xmlns:ma14="http://schemas.microsoft.com/office/mac/drawingml/2011/main" val="1"/>
+              <ma14:wrappingTextBoxFlag xmlns:ma14="http://schemas.microsoft.com/office/mac/drawingml/2011/main" xmlns="" val="1"/>
             </a:ext>
           </a:extLst>
         </p:spPr>
@@ -8597,15 +8581,7 @@
             </a:r>
             <a:r>
               <a:rPr lang="en-AU" dirty="0" err="1"/>
-              <a:t>www.fl</a:t>
-            </a:r>
-            <a:r>
-              <a:rPr lang="en-AU" dirty="0"/>
-              <a:t> </a:t>
-            </a:r>
-            <a:r>
-              <a:rPr lang="en-AU" dirty="0" err="1"/>
-              <a:t>ickr.com</a:t>
+              <a:t>www.flickr.com</a:t>
             </a:r>
             <a:r>
               <a:rPr lang="en-AU" dirty="0"/>
@@ -8665,7 +8641,7 @@
           </a:ln>
           <a:extLst>
             <a:ext uri="{C572A759-6A51-4108-AA02-DFA0A04FC94B}">
-              <ma14:wrappingTextBoxFlag xmlns="" xmlns:ma14="http://schemas.microsoft.com/office/mac/drawingml/2011/main" val="1"/>
+              <ma14:wrappingTextBoxFlag xmlns:ma14="http://schemas.microsoft.com/office/mac/drawingml/2011/main" xmlns="" val="1"/>
             </a:ext>
           </a:extLst>
         </p:spPr>
@@ -8719,7 +8695,7 @@
           </a:ln>
           <a:extLst>
             <a:ext uri="{C572A759-6A51-4108-AA02-DFA0A04FC94B}">
-              <ma14:wrappingTextBoxFlag xmlns="" xmlns:ma14="http://schemas.microsoft.com/office/mac/drawingml/2011/main" val="1"/>
+              <ma14:wrappingTextBoxFlag xmlns:ma14="http://schemas.microsoft.com/office/mac/drawingml/2011/main" xmlns="" val="1"/>
             </a:ext>
           </a:extLst>
         </p:spPr>
@@ -8781,7 +8757,7 @@
           </a:ln>
           <a:extLst>
             <a:ext uri="{C572A759-6A51-4108-AA02-DFA0A04FC94B}">
-              <ma14:wrappingTextBoxFlag xmlns="" xmlns:ma14="http://schemas.microsoft.com/office/mac/drawingml/2011/main" val="1"/>
+              <ma14:wrappingTextBoxFlag xmlns:ma14="http://schemas.microsoft.com/office/mac/drawingml/2011/main" xmlns="" val="1"/>
             </a:ext>
           </a:extLst>
         </p:spPr>
@@ -8843,7 +8819,7 @@
           </a:ln>
           <a:extLst>
             <a:ext uri="{C572A759-6A51-4108-AA02-DFA0A04FC94B}">
-              <ma14:wrappingTextBoxFlag xmlns="" xmlns:ma14="http://schemas.microsoft.com/office/mac/drawingml/2011/main" val="1"/>
+              <ma14:wrappingTextBoxFlag xmlns:ma14="http://schemas.microsoft.com/office/mac/drawingml/2011/main" xmlns="" val="1"/>
             </a:ext>
           </a:extLst>
         </p:spPr>
@@ -8901,7 +8877,7 @@
           </a:ln>
           <a:extLst>
             <a:ext uri="{C572A759-6A51-4108-AA02-DFA0A04FC94B}">
-              <ma14:wrappingTextBoxFlag xmlns="" xmlns:ma14="http://schemas.microsoft.com/office/mac/drawingml/2011/main" val="1"/>
+              <ma14:wrappingTextBoxFlag xmlns:ma14="http://schemas.microsoft.com/office/mac/drawingml/2011/main" xmlns="" val="1"/>
             </a:ext>
           </a:extLst>
         </p:spPr>
@@ -8963,7 +8939,7 @@
           </a:ln>
           <a:extLst>
             <a:ext uri="{C572A759-6A51-4108-AA02-DFA0A04FC94B}">
-              <ma14:wrappingTextBoxFlag xmlns="" xmlns:ma14="http://schemas.microsoft.com/office/mac/drawingml/2011/main" val="1"/>
+              <ma14:wrappingTextBoxFlag xmlns:ma14="http://schemas.microsoft.com/office/mac/drawingml/2011/main" xmlns="" val="1"/>
             </a:ext>
           </a:extLst>
         </p:spPr>
@@ -9096,7 +9072,7 @@
           </a:ln>
           <a:extLst>
             <a:ext uri="{C572A759-6A51-4108-AA02-DFA0A04FC94B}">
-              <ma14:wrappingTextBoxFlag xmlns="" xmlns:ma14="http://schemas.microsoft.com/office/mac/drawingml/2011/main" val="1"/>
+              <ma14:wrappingTextBoxFlag xmlns:ma14="http://schemas.microsoft.com/office/mac/drawingml/2011/main" xmlns="" val="1"/>
             </a:ext>
           </a:extLst>
         </p:spPr>
@@ -9275,7 +9251,7 @@
             </a:ln>
             <a:extLst>
               <a:ext uri="{C572A759-6A51-4108-AA02-DFA0A04FC94B}">
-                <ma14:wrappingTextBoxFlag xmlns="" xmlns:ma14="http://schemas.microsoft.com/office/mac/drawingml/2011/main" val="1"/>
+                <ma14:wrappingTextBoxFlag xmlns:ma14="http://schemas.microsoft.com/office/mac/drawingml/2011/main" xmlns="" val="1"/>
               </a:ext>
             </a:extLst>
           </p:spPr>
@@ -9323,7 +9299,7 @@
             </a:ln>
             <a:extLst>
               <a:ext uri="{C572A759-6A51-4108-AA02-DFA0A04FC94B}">
-                <ma14:wrappingTextBoxFlag xmlns="" xmlns:ma14="http://schemas.microsoft.com/office/mac/drawingml/2011/main" val="1"/>
+                <ma14:wrappingTextBoxFlag xmlns:ma14="http://schemas.microsoft.com/office/mac/drawingml/2011/main" xmlns="" val="1"/>
               </a:ext>
             </a:extLst>
           </p:spPr>
@@ -9371,7 +9347,7 @@
             </a:ln>
             <a:extLst>
               <a:ext uri="{C572A759-6A51-4108-AA02-DFA0A04FC94B}">
-                <ma14:wrappingTextBoxFlag xmlns="" xmlns:ma14="http://schemas.microsoft.com/office/mac/drawingml/2011/main" val="1"/>
+                <ma14:wrappingTextBoxFlag xmlns:ma14="http://schemas.microsoft.com/office/mac/drawingml/2011/main" xmlns="" val="1"/>
               </a:ext>
             </a:extLst>
           </p:spPr>
@@ -9419,7 +9395,7 @@
             </a:ln>
             <a:extLst>
               <a:ext uri="{C572A759-6A51-4108-AA02-DFA0A04FC94B}">
-                <ma14:wrappingTextBoxFlag xmlns="" xmlns:ma14="http://schemas.microsoft.com/office/mac/drawingml/2011/main" val="1"/>
+                <ma14:wrappingTextBoxFlag xmlns:ma14="http://schemas.microsoft.com/office/mac/drawingml/2011/main" xmlns="" val="1"/>
               </a:ext>
             </a:extLst>
           </p:spPr>
@@ -9467,7 +9443,7 @@
             </a:ln>
             <a:extLst>
               <a:ext uri="{C572A759-6A51-4108-AA02-DFA0A04FC94B}">
-                <ma14:wrappingTextBoxFlag xmlns="" xmlns:ma14="http://schemas.microsoft.com/office/mac/drawingml/2011/main" val="1"/>
+                <ma14:wrappingTextBoxFlag xmlns:ma14="http://schemas.microsoft.com/office/mac/drawingml/2011/main" xmlns="" val="1"/>
               </a:ext>
             </a:extLst>
           </p:spPr>
@@ -9515,7 +9491,7 @@
             </a:ln>
             <a:extLst>
               <a:ext uri="{C572A759-6A51-4108-AA02-DFA0A04FC94B}">
-                <ma14:wrappingTextBoxFlag xmlns="" xmlns:ma14="http://schemas.microsoft.com/office/mac/drawingml/2011/main" val="1"/>
+                <ma14:wrappingTextBoxFlag xmlns:ma14="http://schemas.microsoft.com/office/mac/drawingml/2011/main" xmlns="" val="1"/>
               </a:ext>
             </a:extLst>
           </p:spPr>
@@ -9822,7 +9798,7 @@
             </a:ln>
             <a:extLst>
               <a:ext uri="{C572A759-6A51-4108-AA02-DFA0A04FC94B}">
-                <ma14:wrappingTextBoxFlag xmlns="" xmlns:ma14="http://schemas.microsoft.com/office/mac/drawingml/2011/main" val="1"/>
+                <ma14:wrappingTextBoxFlag xmlns:ma14="http://schemas.microsoft.com/office/mac/drawingml/2011/main" xmlns="" val="1"/>
               </a:ext>
             </a:extLst>
           </p:spPr>
@@ -9883,7 +9859,7 @@
             </a:ln>
             <a:extLst>
               <a:ext uri="{C572A759-6A51-4108-AA02-DFA0A04FC94B}">
-                <ma14:wrappingTextBoxFlag xmlns="" xmlns:ma14="http://schemas.microsoft.com/office/mac/drawingml/2011/main" val="1"/>
+                <ma14:wrappingTextBoxFlag xmlns:ma14="http://schemas.microsoft.com/office/mac/drawingml/2011/main" xmlns="" val="1"/>
               </a:ext>
             </a:extLst>
           </p:spPr>
@@ -10057,7 +10033,7 @@
             </a:ln>
             <a:extLst>
               <a:ext uri="{C572A759-6A51-4108-AA02-DFA0A04FC94B}">
-                <ma14:wrappingTextBoxFlag xmlns="" xmlns:ma14="http://schemas.microsoft.com/office/mac/drawingml/2011/main" val="1"/>
+                <ma14:wrappingTextBoxFlag xmlns:ma14="http://schemas.microsoft.com/office/mac/drawingml/2011/main" xmlns="" val="1"/>
               </a:ext>
             </a:extLst>
           </p:spPr>
@@ -10126,7 +10102,7 @@
             </a:ln>
             <a:extLst>
               <a:ext uri="{C572A759-6A51-4108-AA02-DFA0A04FC94B}">
-                <ma14:wrappingTextBoxFlag xmlns="" xmlns:ma14="http://schemas.microsoft.com/office/mac/drawingml/2011/main" val="1"/>
+                <ma14:wrappingTextBoxFlag xmlns:ma14="http://schemas.microsoft.com/office/mac/drawingml/2011/main" xmlns="" val="1"/>
               </a:ext>
             </a:extLst>
           </p:spPr>
@@ -10180,7 +10156,7 @@
             </a:ln>
             <a:extLst>
               <a:ext uri="{C572A759-6A51-4108-AA02-DFA0A04FC94B}">
-                <ma14:wrappingTextBoxFlag xmlns="" xmlns:ma14="http://schemas.microsoft.com/office/mac/drawingml/2011/main" val="1"/>
+                <ma14:wrappingTextBoxFlag xmlns:ma14="http://schemas.microsoft.com/office/mac/drawingml/2011/main" xmlns="" val="1"/>
               </a:ext>
             </a:extLst>
           </p:spPr>
@@ -10234,7 +10210,7 @@
             </a:ln>
             <a:extLst>
               <a:ext uri="{C572A759-6A51-4108-AA02-DFA0A04FC94B}">
-                <ma14:wrappingTextBoxFlag xmlns="" xmlns:ma14="http://schemas.microsoft.com/office/mac/drawingml/2011/main" val="1"/>
+                <ma14:wrappingTextBoxFlag xmlns:ma14="http://schemas.microsoft.com/office/mac/drawingml/2011/main" xmlns="" val="1"/>
               </a:ext>
             </a:extLst>
           </p:spPr>
@@ -10411,7 +10387,7 @@
             </a:ln>
             <a:extLst>
               <a:ext uri="{C572A759-6A51-4108-AA02-DFA0A04FC94B}">
-                <ma14:wrappingTextBoxFlag xmlns="" xmlns:ma14="http://schemas.microsoft.com/office/mac/drawingml/2011/main" val="1"/>
+                <ma14:wrappingTextBoxFlag xmlns:ma14="http://schemas.microsoft.com/office/mac/drawingml/2011/main" xmlns="" val="1"/>
               </a:ext>
             </a:extLst>
           </p:spPr>
@@ -10594,7 +10570,7 @@
             </a:ln>
             <a:extLst>
               <a:ext uri="{C572A759-6A51-4108-AA02-DFA0A04FC94B}">
-                <ma14:wrappingTextBoxFlag xmlns="" xmlns:ma14="http://schemas.microsoft.com/office/mac/drawingml/2011/main" val="1"/>
+                <ma14:wrappingTextBoxFlag xmlns:ma14="http://schemas.microsoft.com/office/mac/drawingml/2011/main" xmlns="" val="1"/>
               </a:ext>
             </a:extLst>
           </p:spPr>
@@ -10654,7 +10630,7 @@
             </a:ln>
             <a:extLst>
               <a:ext uri="{C572A759-6A51-4108-AA02-DFA0A04FC94B}">
-                <ma14:wrappingTextBoxFlag xmlns="" xmlns:ma14="http://schemas.microsoft.com/office/mac/drawingml/2011/main" val="1"/>
+                <ma14:wrappingTextBoxFlag xmlns:ma14="http://schemas.microsoft.com/office/mac/drawingml/2011/main" xmlns="" val="1"/>
               </a:ext>
             </a:extLst>
           </p:spPr>
@@ -10683,89 +10659,10 @@
       </p:grpSp>
       <p:sp>
         <p:nvSpPr>
-          <p:cNvPr id="93" name="Shape 123">
+          <p:cNvPr id="39" name="Shape 123">
             <a:extLst>
               <a:ext uri="{FF2B5EF4-FFF2-40B4-BE49-F238E27FC236}">
-                <a16:creationId xmlns:a16="http://schemas.microsoft.com/office/drawing/2014/main" id="{9A20B7CA-B7ED-C24A-BDB0-92965DDFCBA3}"/>
-              </a:ext>
-            </a:extLst>
-          </p:cNvPr>
-          <p:cNvSpPr/>
-          <p:nvPr/>
-        </p:nvSpPr>
-        <p:spPr>
-          <a:xfrm>
-            <a:off x="16383420" y="12658992"/>
-            <a:ext cx="7481214" cy="452046"/>
-          </a:xfrm>
-          <a:prstGeom prst="rect">
-            <a:avLst/>
-          </a:prstGeom>
-          <a:ln w="12700">
-            <a:miter lim="400000"/>
-          </a:ln>
-          <a:extLst>
-            <a:ext uri="{C572A759-6A51-4108-AA02-DFA0A04FC94B}">
-              <ma14:wrappingTextBoxFlag xmlns="" xmlns:ma14="http://schemas.microsoft.com/office/mac/drawingml/2011/main" val="1"/>
-            </a:ext>
-          </a:extLst>
-        </p:spPr>
-        <p:txBody>
-          <a:bodyPr wrap="none" lIns="71437" tIns="71437" rIns="71437" bIns="71437" anchor="ctr">
-            <a:spAutoFit/>
-          </a:bodyPr>
-          <a:lstStyle/>
-          <a:p>
-            <a:pPr algn="r">
-              <a:defRPr sz="2000" b="0">
-                <a:solidFill>
-                  <a:srgbClr val="919191"/>
-                </a:solidFill>
-                <a:latin typeface="Montserrat Medium"/>
-                <a:ea typeface="Montserrat Medium"/>
-                <a:cs typeface="Montserrat Medium"/>
-                <a:sym typeface="Montserrat Medium"/>
-              </a:defRPr>
-            </a:pPr>
-            <a:r>
-              <a:rPr lang="en-AU" dirty="0"/>
-              <a:t>Image Attribution: Double-M, Public Domain Dedication</a:t>
-            </a:r>
-          </a:p>
-        </p:txBody>
-      </p:sp>
-    </p:spTree>
-  </p:cSld>
-  <p:clrMapOvr>
-    <a:masterClrMapping/>
-  </p:clrMapOvr>
-  <p:transition spd="med"/>
-</p:sld>
-</file>
-
-<file path=ppt/slides/slide6.xml><?xml version="1.0" encoding="utf-8"?>
-<p:sld xmlns:a="http://schemas.openxmlformats.org/drawingml/2006/main" xmlns:r="http://schemas.openxmlformats.org/officeDocument/2006/relationships" xmlns:p="http://schemas.openxmlformats.org/presentationml/2006/main">
-  <p:cSld>
-    <p:spTree>
-      <p:nvGrpSpPr>
-        <p:cNvPr id="1" name=""/>
-        <p:cNvGrpSpPr/>
-        <p:nvPr/>
-      </p:nvGrpSpPr>
-      <p:grpSpPr>
-        <a:xfrm>
-          <a:off x="0" y="0"/>
-          <a:ext cx="0" cy="0"/>
-          <a:chOff x="0" y="0"/>
-          <a:chExt cx="0" cy="0"/>
-        </a:xfrm>
-      </p:grpSpPr>
-      <p:sp>
-        <p:nvSpPr>
-          <p:cNvPr id="49" name="Shape 123">
-            <a:extLst>
-              <a:ext uri="{FF2B5EF4-FFF2-40B4-BE49-F238E27FC236}">
-                <a16:creationId xmlns:a16="http://schemas.microsoft.com/office/drawing/2014/main" id="{294F1374-063A-1140-A01F-94EB1ED862F5}"/>
+                <a16:creationId xmlns:a16="http://schemas.microsoft.com/office/drawing/2014/main" id="{3968219D-E3B8-5448-906D-606B4308361A}"/>
               </a:ext>
             </a:extLst>
           </p:cNvPr>
@@ -10785,7 +10682,7 @@
           </a:ln>
           <a:extLst>
             <a:ext uri="{C572A759-6A51-4108-AA02-DFA0A04FC94B}">
-              <ma14:wrappingTextBoxFlag xmlns="" xmlns:ma14="http://schemas.microsoft.com/office/mac/drawingml/2011/main" val="1"/>
+              <ma14:wrappingTextBoxFlag xmlns:ma14="http://schemas.microsoft.com/office/mac/drawingml/2011/main" xmlns="" val="1"/>
             </a:ext>
           </a:extLst>
         </p:spPr>
@@ -10829,15 +10726,7 @@
             </a:r>
             <a:r>
               <a:rPr lang="en-AU" dirty="0" err="1"/>
-              <a:t>www.fl</a:t>
-            </a:r>
-            <a:r>
-              <a:rPr lang="en-AU" dirty="0"/>
-              <a:t> </a:t>
-            </a:r>
-            <a:r>
-              <a:rPr lang="en-AU" dirty="0" err="1"/>
-              <a:t>ickr.com</a:t>
+              <a:t>www.flickr.com</a:t>
             </a:r>
             <a:r>
               <a:rPr lang="en-AU" dirty="0"/>
@@ -10846,6 +10735,32 @@
           </a:p>
         </p:txBody>
       </p:sp>
+    </p:spTree>
+  </p:cSld>
+  <p:clrMapOvr>
+    <a:masterClrMapping/>
+  </p:clrMapOvr>
+  <p:transition spd="med"/>
+</p:sld>
+</file>
+
+<file path=ppt/slides/slide6.xml><?xml version="1.0" encoding="utf-8"?>
+<p:sld xmlns:a="http://schemas.openxmlformats.org/drawingml/2006/main" xmlns:r="http://schemas.openxmlformats.org/officeDocument/2006/relationships" xmlns:p="http://schemas.openxmlformats.org/presentationml/2006/main">
+  <p:cSld>
+    <p:spTree>
+      <p:nvGrpSpPr>
+        <p:cNvPr id="1" name=""/>
+        <p:cNvGrpSpPr/>
+        <p:nvPr/>
+      </p:nvGrpSpPr>
+      <p:grpSpPr>
+        <a:xfrm>
+          <a:off x="0" y="0"/>
+          <a:ext cx="0" cy="0"/>
+          <a:chOff x="0" y="0"/>
+          <a:chExt cx="0" cy="0"/>
+        </a:xfrm>
+      </p:grpSpPr>
       <p:sp>
         <p:nvSpPr>
           <p:cNvPr id="63" name="Shape 152">
@@ -10871,7 +10786,7 @@
           </a:ln>
           <a:extLst>
             <a:ext uri="{C572A759-6A51-4108-AA02-DFA0A04FC94B}">
-              <ma14:wrappingTextBoxFlag xmlns="" xmlns:ma14="http://schemas.microsoft.com/office/mac/drawingml/2011/main" val="1"/>
+              <ma14:wrappingTextBoxFlag xmlns:ma14="http://schemas.microsoft.com/office/mac/drawingml/2011/main" xmlns="" val="1"/>
             </a:ext>
           </a:extLst>
         </p:spPr>
@@ -10925,7 +10840,7 @@
           </a:ln>
           <a:extLst>
             <a:ext uri="{C572A759-6A51-4108-AA02-DFA0A04FC94B}">
-              <ma14:wrappingTextBoxFlag xmlns="" xmlns:ma14="http://schemas.microsoft.com/office/mac/drawingml/2011/main" val="1"/>
+              <ma14:wrappingTextBoxFlag xmlns:ma14="http://schemas.microsoft.com/office/mac/drawingml/2011/main" xmlns="" val="1"/>
             </a:ext>
           </a:extLst>
         </p:spPr>
@@ -10987,7 +10902,7 @@
           </a:ln>
           <a:extLst>
             <a:ext uri="{C572A759-6A51-4108-AA02-DFA0A04FC94B}">
-              <ma14:wrappingTextBoxFlag xmlns="" xmlns:ma14="http://schemas.microsoft.com/office/mac/drawingml/2011/main" val="1"/>
+              <ma14:wrappingTextBoxFlag xmlns:ma14="http://schemas.microsoft.com/office/mac/drawingml/2011/main" xmlns="" val="1"/>
             </a:ext>
           </a:extLst>
         </p:spPr>
@@ -11049,7 +10964,7 @@
           </a:ln>
           <a:extLst>
             <a:ext uri="{C572A759-6A51-4108-AA02-DFA0A04FC94B}">
-              <ma14:wrappingTextBoxFlag xmlns="" xmlns:ma14="http://schemas.microsoft.com/office/mac/drawingml/2011/main" val="1"/>
+              <ma14:wrappingTextBoxFlag xmlns:ma14="http://schemas.microsoft.com/office/mac/drawingml/2011/main" xmlns="" val="1"/>
             </a:ext>
           </a:extLst>
         </p:spPr>
@@ -11107,7 +11022,7 @@
           </a:ln>
           <a:extLst>
             <a:ext uri="{C572A759-6A51-4108-AA02-DFA0A04FC94B}">
-              <ma14:wrappingTextBoxFlag xmlns="" xmlns:ma14="http://schemas.microsoft.com/office/mac/drawingml/2011/main" val="1"/>
+              <ma14:wrappingTextBoxFlag xmlns:ma14="http://schemas.microsoft.com/office/mac/drawingml/2011/main" xmlns="" val="1"/>
             </a:ext>
           </a:extLst>
         </p:spPr>
@@ -11169,7 +11084,7 @@
           </a:ln>
           <a:extLst>
             <a:ext uri="{C572A759-6A51-4108-AA02-DFA0A04FC94B}">
-              <ma14:wrappingTextBoxFlag xmlns="" xmlns:ma14="http://schemas.microsoft.com/office/mac/drawingml/2011/main" val="1"/>
+              <ma14:wrappingTextBoxFlag xmlns:ma14="http://schemas.microsoft.com/office/mac/drawingml/2011/main" xmlns="" val="1"/>
             </a:ext>
           </a:extLst>
         </p:spPr>
@@ -11367,7 +11282,7 @@
             </a:ln>
             <a:extLst>
               <a:ext uri="{C572A759-6A51-4108-AA02-DFA0A04FC94B}">
-                <ma14:wrappingTextBoxFlag xmlns="" xmlns:ma14="http://schemas.microsoft.com/office/mac/drawingml/2011/main" val="1"/>
+                <ma14:wrappingTextBoxFlag xmlns:ma14="http://schemas.microsoft.com/office/mac/drawingml/2011/main" xmlns="" val="1"/>
               </a:ext>
             </a:extLst>
           </p:spPr>
@@ -11415,7 +11330,7 @@
             </a:ln>
             <a:extLst>
               <a:ext uri="{C572A759-6A51-4108-AA02-DFA0A04FC94B}">
-                <ma14:wrappingTextBoxFlag xmlns="" xmlns:ma14="http://schemas.microsoft.com/office/mac/drawingml/2011/main" val="1"/>
+                <ma14:wrappingTextBoxFlag xmlns:ma14="http://schemas.microsoft.com/office/mac/drawingml/2011/main" xmlns="" val="1"/>
               </a:ext>
             </a:extLst>
           </p:spPr>
@@ -11463,7 +11378,7 @@
             </a:ln>
             <a:extLst>
               <a:ext uri="{C572A759-6A51-4108-AA02-DFA0A04FC94B}">
-                <ma14:wrappingTextBoxFlag xmlns="" xmlns:ma14="http://schemas.microsoft.com/office/mac/drawingml/2011/main" val="1"/>
+                <ma14:wrappingTextBoxFlag xmlns:ma14="http://schemas.microsoft.com/office/mac/drawingml/2011/main" xmlns="" val="1"/>
               </a:ext>
             </a:extLst>
           </p:spPr>
@@ -11511,7 +11426,7 @@
             </a:ln>
             <a:extLst>
               <a:ext uri="{C572A759-6A51-4108-AA02-DFA0A04FC94B}">
-                <ma14:wrappingTextBoxFlag xmlns="" xmlns:ma14="http://schemas.microsoft.com/office/mac/drawingml/2011/main" val="1"/>
+                <ma14:wrappingTextBoxFlag xmlns:ma14="http://schemas.microsoft.com/office/mac/drawingml/2011/main" xmlns="" val="1"/>
               </a:ext>
             </a:extLst>
           </p:spPr>
@@ -11559,7 +11474,7 @@
             </a:ln>
             <a:extLst>
               <a:ext uri="{C572A759-6A51-4108-AA02-DFA0A04FC94B}">
-                <ma14:wrappingTextBoxFlag xmlns="" xmlns:ma14="http://schemas.microsoft.com/office/mac/drawingml/2011/main" val="1"/>
+                <ma14:wrappingTextBoxFlag xmlns:ma14="http://schemas.microsoft.com/office/mac/drawingml/2011/main" xmlns="" val="1"/>
               </a:ext>
             </a:extLst>
           </p:spPr>
@@ -11610,7 +11525,7 @@
             </a:ln>
             <a:extLst>
               <a:ext uri="{C572A759-6A51-4108-AA02-DFA0A04FC94B}">
-                <ma14:wrappingTextBoxFlag xmlns="" xmlns:ma14="http://schemas.microsoft.com/office/mac/drawingml/2011/main" val="1"/>
+                <ma14:wrappingTextBoxFlag xmlns:ma14="http://schemas.microsoft.com/office/mac/drawingml/2011/main" xmlns="" val="1"/>
               </a:ext>
             </a:extLst>
           </p:spPr>
@@ -11664,7 +11579,7 @@
             </a:ln>
             <a:extLst>
               <a:ext uri="{C572A759-6A51-4108-AA02-DFA0A04FC94B}">
-                <ma14:wrappingTextBoxFlag xmlns="" xmlns:ma14="http://schemas.microsoft.com/office/mac/drawingml/2011/main" val="1"/>
+                <ma14:wrappingTextBoxFlag xmlns:ma14="http://schemas.microsoft.com/office/mac/drawingml/2011/main" xmlns="" val="1"/>
               </a:ext>
             </a:extLst>
           </p:spPr>
@@ -11780,7 +11695,7 @@
           </a:ln>
           <a:extLst>
             <a:ext uri="{C572A759-6A51-4108-AA02-DFA0A04FC94B}">
-              <ma14:wrappingTextBoxFlag xmlns="" xmlns:ma14="http://schemas.microsoft.com/office/mac/drawingml/2011/main" val="1"/>
+              <ma14:wrappingTextBoxFlag xmlns:ma14="http://schemas.microsoft.com/office/mac/drawingml/2011/main" xmlns="" val="1"/>
             </a:ext>
           </a:extLst>
         </p:spPr>
@@ -12086,7 +12001,7 @@
             </a:ln>
             <a:extLst>
               <a:ext uri="{C572A759-6A51-4108-AA02-DFA0A04FC94B}">
-                <ma14:wrappingTextBoxFlag xmlns="" xmlns:ma14="http://schemas.microsoft.com/office/mac/drawingml/2011/main" val="1"/>
+                <ma14:wrappingTextBoxFlag xmlns:ma14="http://schemas.microsoft.com/office/mac/drawingml/2011/main" xmlns="" val="1"/>
               </a:ext>
             </a:extLst>
           </p:spPr>
@@ -12147,7 +12062,7 @@
             </a:ln>
             <a:extLst>
               <a:ext uri="{C572A759-6A51-4108-AA02-DFA0A04FC94B}">
-                <ma14:wrappingTextBoxFlag xmlns="" xmlns:ma14="http://schemas.microsoft.com/office/mac/drawingml/2011/main" val="1"/>
+                <ma14:wrappingTextBoxFlag xmlns:ma14="http://schemas.microsoft.com/office/mac/drawingml/2011/main" xmlns="" val="1"/>
               </a:ext>
             </a:extLst>
           </p:spPr>
@@ -12321,7 +12236,7 @@
             </a:ln>
             <a:extLst>
               <a:ext uri="{C572A759-6A51-4108-AA02-DFA0A04FC94B}">
-                <ma14:wrappingTextBoxFlag xmlns="" xmlns:ma14="http://schemas.microsoft.com/office/mac/drawingml/2011/main" val="1"/>
+                <ma14:wrappingTextBoxFlag xmlns:ma14="http://schemas.microsoft.com/office/mac/drawingml/2011/main" xmlns="" val="1"/>
               </a:ext>
             </a:extLst>
           </p:spPr>
@@ -12390,7 +12305,7 @@
             </a:ln>
             <a:extLst>
               <a:ext uri="{C572A759-6A51-4108-AA02-DFA0A04FC94B}">
-                <ma14:wrappingTextBoxFlag xmlns="" xmlns:ma14="http://schemas.microsoft.com/office/mac/drawingml/2011/main" val="1"/>
+                <ma14:wrappingTextBoxFlag xmlns:ma14="http://schemas.microsoft.com/office/mac/drawingml/2011/main" xmlns="" val="1"/>
               </a:ext>
             </a:extLst>
           </p:spPr>
@@ -12444,7 +12359,7 @@
             </a:ln>
             <a:extLst>
               <a:ext uri="{C572A759-6A51-4108-AA02-DFA0A04FC94B}">
-                <ma14:wrappingTextBoxFlag xmlns="" xmlns:ma14="http://schemas.microsoft.com/office/mac/drawingml/2011/main" val="1"/>
+                <ma14:wrappingTextBoxFlag xmlns:ma14="http://schemas.microsoft.com/office/mac/drawingml/2011/main" xmlns="" val="1"/>
               </a:ext>
             </a:extLst>
           </p:spPr>
@@ -12498,7 +12413,7 @@
             </a:ln>
             <a:extLst>
               <a:ext uri="{C572A759-6A51-4108-AA02-DFA0A04FC94B}">
-                <ma14:wrappingTextBoxFlag xmlns="" xmlns:ma14="http://schemas.microsoft.com/office/mac/drawingml/2011/main" val="1"/>
+                <ma14:wrappingTextBoxFlag xmlns:ma14="http://schemas.microsoft.com/office/mac/drawingml/2011/main" xmlns="" val="1"/>
               </a:ext>
             </a:extLst>
           </p:spPr>
@@ -12675,7 +12590,7 @@
             </a:ln>
             <a:extLst>
               <a:ext uri="{C572A759-6A51-4108-AA02-DFA0A04FC94B}">
-                <ma14:wrappingTextBoxFlag xmlns="" xmlns:ma14="http://schemas.microsoft.com/office/mac/drawingml/2011/main" val="1"/>
+                <ma14:wrappingTextBoxFlag xmlns:ma14="http://schemas.microsoft.com/office/mac/drawingml/2011/main" xmlns="" val="1"/>
               </a:ext>
             </a:extLst>
           </p:spPr>
@@ -12858,7 +12773,7 @@
             </a:ln>
             <a:extLst>
               <a:ext uri="{C572A759-6A51-4108-AA02-DFA0A04FC94B}">
-                <ma14:wrappingTextBoxFlag xmlns="" xmlns:ma14="http://schemas.microsoft.com/office/mac/drawingml/2011/main" val="1"/>
+                <ma14:wrappingTextBoxFlag xmlns:ma14="http://schemas.microsoft.com/office/mac/drawingml/2011/main" xmlns="" val="1"/>
               </a:ext>
             </a:extLst>
           </p:spPr>
@@ -12918,7 +12833,7 @@
             </a:ln>
             <a:extLst>
               <a:ext uri="{C572A759-6A51-4108-AA02-DFA0A04FC94B}">
-                <ma14:wrappingTextBoxFlag xmlns="" xmlns:ma14="http://schemas.microsoft.com/office/mac/drawingml/2011/main" val="1"/>
+                <ma14:wrappingTextBoxFlag xmlns:ma14="http://schemas.microsoft.com/office/mac/drawingml/2011/main" xmlns="" val="1"/>
               </a:ext>
             </a:extLst>
           </p:spPr>
@@ -12945,38 +12860,12 @@
           </p:txBody>
         </p:sp>
       </p:grpSp>
-    </p:spTree>
-  </p:cSld>
-  <p:clrMapOvr>
-    <a:masterClrMapping/>
-  </p:clrMapOvr>
-  <p:transition spd="med"/>
-</p:sld>
-</file>
-
-<file path=ppt/slides/slide7.xml><?xml version="1.0" encoding="utf-8"?>
-<p:sld xmlns:a="http://schemas.openxmlformats.org/drawingml/2006/main" xmlns:r="http://schemas.openxmlformats.org/officeDocument/2006/relationships" xmlns:p="http://schemas.openxmlformats.org/presentationml/2006/main">
-  <p:cSld>
-    <p:spTree>
-      <p:nvGrpSpPr>
-        <p:cNvPr id="1" name=""/>
-        <p:cNvGrpSpPr/>
-        <p:nvPr/>
-      </p:nvGrpSpPr>
-      <p:grpSpPr>
-        <a:xfrm>
-          <a:off x="0" y="0"/>
-          <a:ext cx="0" cy="0"/>
-          <a:chOff x="0" y="0"/>
-          <a:chExt cx="0" cy="0"/>
-        </a:xfrm>
-      </p:grpSpPr>
       <p:sp>
         <p:nvSpPr>
-          <p:cNvPr id="49" name="Shape 123">
+          <p:cNvPr id="50" name="Shape 123">
             <a:extLst>
               <a:ext uri="{FF2B5EF4-FFF2-40B4-BE49-F238E27FC236}">
-                <a16:creationId xmlns:a16="http://schemas.microsoft.com/office/drawing/2014/main" id="{ACD6A810-0431-9D44-B53E-C0FBEF109E1E}"/>
+                <a16:creationId xmlns:a16="http://schemas.microsoft.com/office/drawing/2014/main" id="{8477ABA6-D366-1347-8A68-11C72D1830B8}"/>
               </a:ext>
             </a:extLst>
           </p:cNvPr>
@@ -12996,7 +12885,7 @@
           </a:ln>
           <a:extLst>
             <a:ext uri="{C572A759-6A51-4108-AA02-DFA0A04FC94B}">
-              <ma14:wrappingTextBoxFlag xmlns="" xmlns:ma14="http://schemas.microsoft.com/office/mac/drawingml/2011/main" val="1"/>
+              <ma14:wrappingTextBoxFlag xmlns:ma14="http://schemas.microsoft.com/office/mac/drawingml/2011/main" xmlns="" val="1"/>
             </a:ext>
           </a:extLst>
         </p:spPr>
@@ -13040,15 +12929,111 @@
             </a:r>
             <a:r>
               <a:rPr lang="en-AU" dirty="0" err="1"/>
-              <a:t>www.fl</a:t>
+              <a:t>www.flickr.com</a:t>
             </a:r>
             <a:r>
               <a:rPr lang="en-AU" dirty="0"/>
-              <a:t> </a:t>
+              <a:t>/photos/double-m2/4705739444</a:t>
+            </a:r>
+          </a:p>
+        </p:txBody>
+      </p:sp>
+    </p:spTree>
+  </p:cSld>
+  <p:clrMapOvr>
+    <a:masterClrMapping/>
+  </p:clrMapOvr>
+  <p:transition spd="med"/>
+</p:sld>
+</file>
+
+<file path=ppt/slides/slide7.xml><?xml version="1.0" encoding="utf-8"?>
+<p:sld xmlns:a="http://schemas.openxmlformats.org/drawingml/2006/main" xmlns:r="http://schemas.openxmlformats.org/officeDocument/2006/relationships" xmlns:p="http://schemas.openxmlformats.org/presentationml/2006/main">
+  <p:cSld>
+    <p:spTree>
+      <p:nvGrpSpPr>
+        <p:cNvPr id="1" name=""/>
+        <p:cNvGrpSpPr/>
+        <p:nvPr/>
+      </p:nvGrpSpPr>
+      <p:grpSpPr>
+        <a:xfrm>
+          <a:off x="0" y="0"/>
+          <a:ext cx="0" cy="0"/>
+          <a:chOff x="0" y="0"/>
+          <a:chExt cx="0" cy="0"/>
+        </a:xfrm>
+      </p:grpSpPr>
+      <p:sp>
+        <p:nvSpPr>
+          <p:cNvPr id="50" name="Shape 123">
+            <a:extLst>
+              <a:ext uri="{FF2B5EF4-FFF2-40B4-BE49-F238E27FC236}">
+                <a16:creationId xmlns:a16="http://schemas.microsoft.com/office/drawing/2014/main" id="{B8CCB850-95B2-9749-A126-575480FB9BE9}"/>
+              </a:ext>
+            </a:extLst>
+          </p:cNvPr>
+          <p:cNvSpPr/>
+          <p:nvPr/>
+        </p:nvSpPr>
+        <p:spPr>
+          <a:xfrm>
+            <a:off x="15618788" y="12505104"/>
+            <a:ext cx="8245846" cy="759822"/>
+          </a:xfrm>
+          <a:prstGeom prst="rect">
+            <a:avLst/>
+          </a:prstGeom>
+          <a:ln w="12700">
+            <a:miter lim="400000"/>
+          </a:ln>
+          <a:extLst>
+            <a:ext uri="{C572A759-6A51-4108-AA02-DFA0A04FC94B}">
+              <ma14:wrappingTextBoxFlag xmlns:ma14="http://schemas.microsoft.com/office/mac/drawingml/2011/main" xmlns="" val="1"/>
+            </a:ext>
+          </a:extLst>
+        </p:spPr>
+        <p:txBody>
+          <a:bodyPr wrap="none" lIns="71437" tIns="71437" rIns="71437" bIns="71437" anchor="ctr">
+            <a:spAutoFit/>
+          </a:bodyPr>
+          <a:lstStyle/>
+          <a:p>
+            <a:pPr algn="r">
+              <a:defRPr sz="2000" b="0">
+                <a:solidFill>
+                  <a:srgbClr val="919191"/>
+                </a:solidFill>
+                <a:latin typeface="Montserrat Medium"/>
+                <a:ea typeface="Montserrat Medium"/>
+                <a:cs typeface="Montserrat Medium"/>
+                <a:sym typeface="Montserrat Medium"/>
+              </a:defRPr>
+            </a:pPr>
+            <a:r>
+              <a:rPr lang="en-AU" dirty="0"/>
+              <a:t>Image Attribution: Double-M, Public Domain Dedication</a:t>
+            </a:r>
+          </a:p>
+          <a:p>
+            <a:pPr algn="r">
+              <a:defRPr sz="2000" b="0">
+                <a:solidFill>
+                  <a:srgbClr val="919191"/>
+                </a:solidFill>
+                <a:latin typeface="Montserrat Medium"/>
+                <a:ea typeface="Montserrat Medium"/>
+                <a:cs typeface="Montserrat Medium"/>
+                <a:sym typeface="Montserrat Medium"/>
+              </a:defRPr>
+            </a:pPr>
+            <a:r>
+              <a:rPr lang="en-AU" dirty="0"/>
+              <a:t>(CC0), https://</a:t>
             </a:r>
             <a:r>
               <a:rPr lang="en-AU" dirty="0" err="1"/>
-              <a:t>ickr.com</a:t>
+              <a:t>www.flickr.com</a:t>
             </a:r>
             <a:r>
               <a:rPr lang="en-AU" dirty="0"/>
@@ -13082,7 +13067,7 @@
           </a:ln>
           <a:extLst>
             <a:ext uri="{C572A759-6A51-4108-AA02-DFA0A04FC94B}">
-              <ma14:wrappingTextBoxFlag xmlns="" xmlns:ma14="http://schemas.microsoft.com/office/mac/drawingml/2011/main" val="1"/>
+              <ma14:wrappingTextBoxFlag xmlns:ma14="http://schemas.microsoft.com/office/mac/drawingml/2011/main" xmlns="" val="1"/>
             </a:ext>
           </a:extLst>
         </p:spPr>
@@ -13136,7 +13121,7 @@
           </a:ln>
           <a:extLst>
             <a:ext uri="{C572A759-6A51-4108-AA02-DFA0A04FC94B}">
-              <ma14:wrappingTextBoxFlag xmlns="" xmlns:ma14="http://schemas.microsoft.com/office/mac/drawingml/2011/main" val="1"/>
+              <ma14:wrappingTextBoxFlag xmlns:ma14="http://schemas.microsoft.com/office/mac/drawingml/2011/main" xmlns="" val="1"/>
             </a:ext>
           </a:extLst>
         </p:spPr>
@@ -13198,7 +13183,7 @@
           </a:ln>
           <a:extLst>
             <a:ext uri="{C572A759-6A51-4108-AA02-DFA0A04FC94B}">
-              <ma14:wrappingTextBoxFlag xmlns="" xmlns:ma14="http://schemas.microsoft.com/office/mac/drawingml/2011/main" val="1"/>
+              <ma14:wrappingTextBoxFlag xmlns:ma14="http://schemas.microsoft.com/office/mac/drawingml/2011/main" xmlns="" val="1"/>
             </a:ext>
           </a:extLst>
         </p:spPr>
@@ -13260,7 +13245,7 @@
           </a:ln>
           <a:extLst>
             <a:ext uri="{C572A759-6A51-4108-AA02-DFA0A04FC94B}">
-              <ma14:wrappingTextBoxFlag xmlns="" xmlns:ma14="http://schemas.microsoft.com/office/mac/drawingml/2011/main" val="1"/>
+              <ma14:wrappingTextBoxFlag xmlns:ma14="http://schemas.microsoft.com/office/mac/drawingml/2011/main" xmlns="" val="1"/>
             </a:ext>
           </a:extLst>
         </p:spPr>
@@ -13318,7 +13303,7 @@
           </a:ln>
           <a:extLst>
             <a:ext uri="{C572A759-6A51-4108-AA02-DFA0A04FC94B}">
-              <ma14:wrappingTextBoxFlag xmlns="" xmlns:ma14="http://schemas.microsoft.com/office/mac/drawingml/2011/main" val="1"/>
+              <ma14:wrappingTextBoxFlag xmlns:ma14="http://schemas.microsoft.com/office/mac/drawingml/2011/main" xmlns="" val="1"/>
             </a:ext>
           </a:extLst>
         </p:spPr>
@@ -13380,7 +13365,7 @@
           </a:ln>
           <a:extLst>
             <a:ext uri="{C572A759-6A51-4108-AA02-DFA0A04FC94B}">
-              <ma14:wrappingTextBoxFlag xmlns="" xmlns:ma14="http://schemas.microsoft.com/office/mac/drawingml/2011/main" val="1"/>
+              <ma14:wrappingTextBoxFlag xmlns:ma14="http://schemas.microsoft.com/office/mac/drawingml/2011/main" xmlns="" val="1"/>
             </a:ext>
           </a:extLst>
         </p:spPr>
@@ -13578,7 +13563,7 @@
             </a:ln>
             <a:extLst>
               <a:ext uri="{C572A759-6A51-4108-AA02-DFA0A04FC94B}">
-                <ma14:wrappingTextBoxFlag xmlns="" xmlns:ma14="http://schemas.microsoft.com/office/mac/drawingml/2011/main" val="1"/>
+                <ma14:wrappingTextBoxFlag xmlns:ma14="http://schemas.microsoft.com/office/mac/drawingml/2011/main" xmlns="" val="1"/>
               </a:ext>
             </a:extLst>
           </p:spPr>
@@ -13626,7 +13611,7 @@
             </a:ln>
             <a:extLst>
               <a:ext uri="{C572A759-6A51-4108-AA02-DFA0A04FC94B}">
-                <ma14:wrappingTextBoxFlag xmlns="" xmlns:ma14="http://schemas.microsoft.com/office/mac/drawingml/2011/main" val="1"/>
+                <ma14:wrappingTextBoxFlag xmlns:ma14="http://schemas.microsoft.com/office/mac/drawingml/2011/main" xmlns="" val="1"/>
               </a:ext>
             </a:extLst>
           </p:spPr>
@@ -13674,7 +13659,7 @@
             </a:ln>
             <a:extLst>
               <a:ext uri="{C572A759-6A51-4108-AA02-DFA0A04FC94B}">
-                <ma14:wrappingTextBoxFlag xmlns="" xmlns:ma14="http://schemas.microsoft.com/office/mac/drawingml/2011/main" val="1"/>
+                <ma14:wrappingTextBoxFlag xmlns:ma14="http://schemas.microsoft.com/office/mac/drawingml/2011/main" xmlns="" val="1"/>
               </a:ext>
             </a:extLst>
           </p:spPr>
@@ -13722,7 +13707,7 @@
             </a:ln>
             <a:extLst>
               <a:ext uri="{C572A759-6A51-4108-AA02-DFA0A04FC94B}">
-                <ma14:wrappingTextBoxFlag xmlns="" xmlns:ma14="http://schemas.microsoft.com/office/mac/drawingml/2011/main" val="1"/>
+                <ma14:wrappingTextBoxFlag xmlns:ma14="http://schemas.microsoft.com/office/mac/drawingml/2011/main" xmlns="" val="1"/>
               </a:ext>
             </a:extLst>
           </p:spPr>
@@ -13770,7 +13755,7 @@
             </a:ln>
             <a:extLst>
               <a:ext uri="{C572A759-6A51-4108-AA02-DFA0A04FC94B}">
-                <ma14:wrappingTextBoxFlag xmlns="" xmlns:ma14="http://schemas.microsoft.com/office/mac/drawingml/2011/main" val="1"/>
+                <ma14:wrappingTextBoxFlag xmlns:ma14="http://schemas.microsoft.com/office/mac/drawingml/2011/main" xmlns="" val="1"/>
               </a:ext>
             </a:extLst>
           </p:spPr>
@@ -13818,7 +13803,7 @@
             </a:ln>
             <a:extLst>
               <a:ext uri="{C572A759-6A51-4108-AA02-DFA0A04FC94B}">
-                <ma14:wrappingTextBoxFlag xmlns="" xmlns:ma14="http://schemas.microsoft.com/office/mac/drawingml/2011/main" val="1"/>
+                <ma14:wrappingTextBoxFlag xmlns:ma14="http://schemas.microsoft.com/office/mac/drawingml/2011/main" xmlns="" val="1"/>
               </a:ext>
             </a:extLst>
           </p:spPr>
@@ -13869,7 +13854,7 @@
             </a:ln>
             <a:extLst>
               <a:ext uri="{C572A759-6A51-4108-AA02-DFA0A04FC94B}">
-                <ma14:wrappingTextBoxFlag xmlns="" xmlns:ma14="http://schemas.microsoft.com/office/mac/drawingml/2011/main" val="1"/>
+                <ma14:wrappingTextBoxFlag xmlns:ma14="http://schemas.microsoft.com/office/mac/drawingml/2011/main" xmlns="" val="1"/>
               </a:ext>
             </a:extLst>
           </p:spPr>
@@ -13990,7 +13975,7 @@
           </a:ln>
           <a:extLst>
             <a:ext uri="{C572A759-6A51-4108-AA02-DFA0A04FC94B}">
-              <ma14:wrappingTextBoxFlag xmlns="" xmlns:ma14="http://schemas.microsoft.com/office/mac/drawingml/2011/main" val="1"/>
+              <ma14:wrappingTextBoxFlag xmlns:ma14="http://schemas.microsoft.com/office/mac/drawingml/2011/main" xmlns="" val="1"/>
             </a:ext>
           </a:extLst>
         </p:spPr>
@@ -14296,7 +14281,7 @@
             </a:ln>
             <a:extLst>
               <a:ext uri="{C572A759-6A51-4108-AA02-DFA0A04FC94B}">
-                <ma14:wrappingTextBoxFlag xmlns="" xmlns:ma14="http://schemas.microsoft.com/office/mac/drawingml/2011/main" val="1"/>
+                <ma14:wrappingTextBoxFlag xmlns:ma14="http://schemas.microsoft.com/office/mac/drawingml/2011/main" xmlns="" val="1"/>
               </a:ext>
             </a:extLst>
           </p:spPr>
@@ -14357,7 +14342,7 @@
             </a:ln>
             <a:extLst>
               <a:ext uri="{C572A759-6A51-4108-AA02-DFA0A04FC94B}">
-                <ma14:wrappingTextBoxFlag xmlns="" xmlns:ma14="http://schemas.microsoft.com/office/mac/drawingml/2011/main" val="1"/>
+                <ma14:wrappingTextBoxFlag xmlns:ma14="http://schemas.microsoft.com/office/mac/drawingml/2011/main" xmlns="" val="1"/>
               </a:ext>
             </a:extLst>
           </p:spPr>
@@ -14531,7 +14516,7 @@
             </a:ln>
             <a:extLst>
               <a:ext uri="{C572A759-6A51-4108-AA02-DFA0A04FC94B}">
-                <ma14:wrappingTextBoxFlag xmlns="" xmlns:ma14="http://schemas.microsoft.com/office/mac/drawingml/2011/main" val="1"/>
+                <ma14:wrappingTextBoxFlag xmlns:ma14="http://schemas.microsoft.com/office/mac/drawingml/2011/main" xmlns="" val="1"/>
               </a:ext>
             </a:extLst>
           </p:spPr>
@@ -14600,7 +14585,7 @@
             </a:ln>
             <a:extLst>
               <a:ext uri="{C572A759-6A51-4108-AA02-DFA0A04FC94B}">
-                <ma14:wrappingTextBoxFlag xmlns="" xmlns:ma14="http://schemas.microsoft.com/office/mac/drawingml/2011/main" val="1"/>
+                <ma14:wrappingTextBoxFlag xmlns:ma14="http://schemas.microsoft.com/office/mac/drawingml/2011/main" xmlns="" val="1"/>
               </a:ext>
             </a:extLst>
           </p:spPr>
@@ -14654,7 +14639,7 @@
             </a:ln>
             <a:extLst>
               <a:ext uri="{C572A759-6A51-4108-AA02-DFA0A04FC94B}">
-                <ma14:wrappingTextBoxFlag xmlns="" xmlns:ma14="http://schemas.microsoft.com/office/mac/drawingml/2011/main" val="1"/>
+                <ma14:wrappingTextBoxFlag xmlns:ma14="http://schemas.microsoft.com/office/mac/drawingml/2011/main" xmlns="" val="1"/>
               </a:ext>
             </a:extLst>
           </p:spPr>
@@ -14831,7 +14816,7 @@
             </a:ln>
             <a:extLst>
               <a:ext uri="{C572A759-6A51-4108-AA02-DFA0A04FC94B}">
-                <ma14:wrappingTextBoxFlag xmlns="" xmlns:ma14="http://schemas.microsoft.com/office/mac/drawingml/2011/main" val="1"/>
+                <ma14:wrappingTextBoxFlag xmlns:ma14="http://schemas.microsoft.com/office/mac/drawingml/2011/main" xmlns="" val="1"/>
               </a:ext>
             </a:extLst>
           </p:spPr>
@@ -15014,7 +14999,7 @@
             </a:ln>
             <a:extLst>
               <a:ext uri="{C572A759-6A51-4108-AA02-DFA0A04FC94B}">
-                <ma14:wrappingTextBoxFlag xmlns="" xmlns:ma14="http://schemas.microsoft.com/office/mac/drawingml/2011/main" val="1"/>
+                <ma14:wrappingTextBoxFlag xmlns:ma14="http://schemas.microsoft.com/office/mac/drawingml/2011/main" xmlns="" val="1"/>
               </a:ext>
             </a:extLst>
           </p:spPr>
@@ -15074,7 +15059,7 @@
             </a:ln>
             <a:extLst>
               <a:ext uri="{C572A759-6A51-4108-AA02-DFA0A04FC94B}">
-                <ma14:wrappingTextBoxFlag xmlns="" xmlns:ma14="http://schemas.microsoft.com/office/mac/drawingml/2011/main" val="1"/>
+                <ma14:wrappingTextBoxFlag xmlns:ma14="http://schemas.microsoft.com/office/mac/drawingml/2011/main" xmlns="" val="1"/>
               </a:ext>
             </a:extLst>
           </p:spPr>
@@ -15128,7 +15113,7 @@
             </a:ln>
             <a:extLst>
               <a:ext uri="{C572A759-6A51-4108-AA02-DFA0A04FC94B}">
-                <ma14:wrappingTextBoxFlag xmlns="" xmlns:ma14="http://schemas.microsoft.com/office/mac/drawingml/2011/main" val="1"/>
+                <ma14:wrappingTextBoxFlag xmlns:ma14="http://schemas.microsoft.com/office/mac/drawingml/2011/main" xmlns="" val="1"/>
               </a:ext>
             </a:extLst>
           </p:spPr>
@@ -15183,10 +15168,10 @@
       </p:grpSpPr>
       <p:sp>
         <p:nvSpPr>
-          <p:cNvPr id="49" name="Shape 123">
+          <p:cNvPr id="50" name="Shape 123">
             <a:extLst>
               <a:ext uri="{FF2B5EF4-FFF2-40B4-BE49-F238E27FC236}">
-                <a16:creationId xmlns:a16="http://schemas.microsoft.com/office/drawing/2014/main" id="{87B3CAD8-5E51-2043-BF74-5D415CC519FB}"/>
+                <a16:creationId xmlns:a16="http://schemas.microsoft.com/office/drawing/2014/main" id="{9207E433-828E-014F-91C8-FF73A4429DB1}"/>
               </a:ext>
             </a:extLst>
           </p:cNvPr>
@@ -15206,7 +15191,7 @@
           </a:ln>
           <a:extLst>
             <a:ext uri="{C572A759-6A51-4108-AA02-DFA0A04FC94B}">
-              <ma14:wrappingTextBoxFlag xmlns="" xmlns:ma14="http://schemas.microsoft.com/office/mac/drawingml/2011/main" val="1"/>
+              <ma14:wrappingTextBoxFlag xmlns:ma14="http://schemas.microsoft.com/office/mac/drawingml/2011/main" xmlns="" val="1"/>
             </a:ext>
           </a:extLst>
         </p:spPr>
@@ -15250,15 +15235,7 @@
             </a:r>
             <a:r>
               <a:rPr lang="en-AU" dirty="0" err="1"/>
-              <a:t>www.fl</a:t>
-            </a:r>
-            <a:r>
-              <a:rPr lang="en-AU" dirty="0"/>
-              <a:t> </a:t>
-            </a:r>
-            <a:r>
-              <a:rPr lang="en-AU" dirty="0" err="1"/>
-              <a:t>ickr.com</a:t>
+              <a:t>www.flickr.com</a:t>
             </a:r>
             <a:r>
               <a:rPr lang="en-AU" dirty="0"/>
@@ -15292,7 +15269,7 @@
           </a:ln>
           <a:extLst>
             <a:ext uri="{C572A759-6A51-4108-AA02-DFA0A04FC94B}">
-              <ma14:wrappingTextBoxFlag xmlns="" xmlns:ma14="http://schemas.microsoft.com/office/mac/drawingml/2011/main" val="1"/>
+              <ma14:wrappingTextBoxFlag xmlns:ma14="http://schemas.microsoft.com/office/mac/drawingml/2011/main" xmlns="" val="1"/>
             </a:ext>
           </a:extLst>
         </p:spPr>
@@ -15346,7 +15323,7 @@
           </a:ln>
           <a:extLst>
             <a:ext uri="{C572A759-6A51-4108-AA02-DFA0A04FC94B}">
-              <ma14:wrappingTextBoxFlag xmlns="" xmlns:ma14="http://schemas.microsoft.com/office/mac/drawingml/2011/main" val="1"/>
+              <ma14:wrappingTextBoxFlag xmlns:ma14="http://schemas.microsoft.com/office/mac/drawingml/2011/main" xmlns="" val="1"/>
             </a:ext>
           </a:extLst>
         </p:spPr>
@@ -15408,7 +15385,7 @@
           </a:ln>
           <a:extLst>
             <a:ext uri="{C572A759-6A51-4108-AA02-DFA0A04FC94B}">
-              <ma14:wrappingTextBoxFlag xmlns="" xmlns:ma14="http://schemas.microsoft.com/office/mac/drawingml/2011/main" val="1"/>
+              <ma14:wrappingTextBoxFlag xmlns:ma14="http://schemas.microsoft.com/office/mac/drawingml/2011/main" xmlns="" val="1"/>
             </a:ext>
           </a:extLst>
         </p:spPr>
@@ -15470,7 +15447,7 @@
           </a:ln>
           <a:extLst>
             <a:ext uri="{C572A759-6A51-4108-AA02-DFA0A04FC94B}">
-              <ma14:wrappingTextBoxFlag xmlns="" xmlns:ma14="http://schemas.microsoft.com/office/mac/drawingml/2011/main" val="1"/>
+              <ma14:wrappingTextBoxFlag xmlns:ma14="http://schemas.microsoft.com/office/mac/drawingml/2011/main" xmlns="" val="1"/>
             </a:ext>
           </a:extLst>
         </p:spPr>
@@ -15528,7 +15505,7 @@
           </a:ln>
           <a:extLst>
             <a:ext uri="{C572A759-6A51-4108-AA02-DFA0A04FC94B}">
-              <ma14:wrappingTextBoxFlag xmlns="" xmlns:ma14="http://schemas.microsoft.com/office/mac/drawingml/2011/main" val="1"/>
+              <ma14:wrappingTextBoxFlag xmlns:ma14="http://schemas.microsoft.com/office/mac/drawingml/2011/main" xmlns="" val="1"/>
             </a:ext>
           </a:extLst>
         </p:spPr>
@@ -15590,7 +15567,7 @@
           </a:ln>
           <a:extLst>
             <a:ext uri="{C572A759-6A51-4108-AA02-DFA0A04FC94B}">
-              <ma14:wrappingTextBoxFlag xmlns="" xmlns:ma14="http://schemas.microsoft.com/office/mac/drawingml/2011/main" val="1"/>
+              <ma14:wrappingTextBoxFlag xmlns:ma14="http://schemas.microsoft.com/office/mac/drawingml/2011/main" xmlns="" val="1"/>
             </a:ext>
           </a:extLst>
         </p:spPr>
@@ -15788,7 +15765,7 @@
             </a:ln>
             <a:extLst>
               <a:ext uri="{C572A759-6A51-4108-AA02-DFA0A04FC94B}">
-                <ma14:wrappingTextBoxFlag xmlns="" xmlns:ma14="http://schemas.microsoft.com/office/mac/drawingml/2011/main" val="1"/>
+                <ma14:wrappingTextBoxFlag xmlns:ma14="http://schemas.microsoft.com/office/mac/drawingml/2011/main" xmlns="" val="1"/>
               </a:ext>
             </a:extLst>
           </p:spPr>
@@ -15836,7 +15813,7 @@
             </a:ln>
             <a:extLst>
               <a:ext uri="{C572A759-6A51-4108-AA02-DFA0A04FC94B}">
-                <ma14:wrappingTextBoxFlag xmlns="" xmlns:ma14="http://schemas.microsoft.com/office/mac/drawingml/2011/main" val="1"/>
+                <ma14:wrappingTextBoxFlag xmlns:ma14="http://schemas.microsoft.com/office/mac/drawingml/2011/main" xmlns="" val="1"/>
               </a:ext>
             </a:extLst>
           </p:spPr>
@@ -15884,7 +15861,7 @@
             </a:ln>
             <a:extLst>
               <a:ext uri="{C572A759-6A51-4108-AA02-DFA0A04FC94B}">
-                <ma14:wrappingTextBoxFlag xmlns="" xmlns:ma14="http://schemas.microsoft.com/office/mac/drawingml/2011/main" val="1"/>
+                <ma14:wrappingTextBoxFlag xmlns:ma14="http://schemas.microsoft.com/office/mac/drawingml/2011/main" xmlns="" val="1"/>
               </a:ext>
             </a:extLst>
           </p:spPr>
@@ -15932,7 +15909,7 @@
             </a:ln>
             <a:extLst>
               <a:ext uri="{C572A759-6A51-4108-AA02-DFA0A04FC94B}">
-                <ma14:wrappingTextBoxFlag xmlns="" xmlns:ma14="http://schemas.microsoft.com/office/mac/drawingml/2011/main" val="1"/>
+                <ma14:wrappingTextBoxFlag xmlns:ma14="http://schemas.microsoft.com/office/mac/drawingml/2011/main" xmlns="" val="1"/>
               </a:ext>
             </a:extLst>
           </p:spPr>
@@ -15980,7 +15957,7 @@
             </a:ln>
             <a:extLst>
               <a:ext uri="{C572A759-6A51-4108-AA02-DFA0A04FC94B}">
-                <ma14:wrappingTextBoxFlag xmlns="" xmlns:ma14="http://schemas.microsoft.com/office/mac/drawingml/2011/main" val="1"/>
+                <ma14:wrappingTextBoxFlag xmlns:ma14="http://schemas.microsoft.com/office/mac/drawingml/2011/main" xmlns="" val="1"/>
               </a:ext>
             </a:extLst>
           </p:spPr>
@@ -16028,7 +16005,7 @@
             </a:ln>
             <a:extLst>
               <a:ext uri="{C572A759-6A51-4108-AA02-DFA0A04FC94B}">
-                <ma14:wrappingTextBoxFlag xmlns="" xmlns:ma14="http://schemas.microsoft.com/office/mac/drawingml/2011/main" val="1"/>
+                <ma14:wrappingTextBoxFlag xmlns:ma14="http://schemas.microsoft.com/office/mac/drawingml/2011/main" xmlns="" val="1"/>
               </a:ext>
             </a:extLst>
           </p:spPr>
@@ -16143,7 +16120,7 @@
           </a:ln>
           <a:extLst>
             <a:ext uri="{C572A759-6A51-4108-AA02-DFA0A04FC94B}">
-              <ma14:wrappingTextBoxFlag xmlns="" xmlns:ma14="http://schemas.microsoft.com/office/mac/drawingml/2011/main" val="1"/>
+              <ma14:wrappingTextBoxFlag xmlns:ma14="http://schemas.microsoft.com/office/mac/drawingml/2011/main" xmlns="" val="1"/>
             </a:ext>
           </a:extLst>
         </p:spPr>
@@ -16449,7 +16426,7 @@
             </a:ln>
             <a:extLst>
               <a:ext uri="{C572A759-6A51-4108-AA02-DFA0A04FC94B}">
-                <ma14:wrappingTextBoxFlag xmlns="" xmlns:ma14="http://schemas.microsoft.com/office/mac/drawingml/2011/main" val="1"/>
+                <ma14:wrappingTextBoxFlag xmlns:ma14="http://schemas.microsoft.com/office/mac/drawingml/2011/main" xmlns="" val="1"/>
               </a:ext>
             </a:extLst>
           </p:spPr>
@@ -16510,7 +16487,7 @@
             </a:ln>
             <a:extLst>
               <a:ext uri="{C572A759-6A51-4108-AA02-DFA0A04FC94B}">
-                <ma14:wrappingTextBoxFlag xmlns="" xmlns:ma14="http://schemas.microsoft.com/office/mac/drawingml/2011/main" val="1"/>
+                <ma14:wrappingTextBoxFlag xmlns:ma14="http://schemas.microsoft.com/office/mac/drawingml/2011/main" xmlns="" val="1"/>
               </a:ext>
             </a:extLst>
           </p:spPr>
@@ -16684,7 +16661,7 @@
             </a:ln>
             <a:extLst>
               <a:ext uri="{C572A759-6A51-4108-AA02-DFA0A04FC94B}">
-                <ma14:wrappingTextBoxFlag xmlns="" xmlns:ma14="http://schemas.microsoft.com/office/mac/drawingml/2011/main" val="1"/>
+                <ma14:wrappingTextBoxFlag xmlns:ma14="http://schemas.microsoft.com/office/mac/drawingml/2011/main" xmlns="" val="1"/>
               </a:ext>
             </a:extLst>
           </p:spPr>
@@ -16753,7 +16730,7 @@
             </a:ln>
             <a:extLst>
               <a:ext uri="{C572A759-6A51-4108-AA02-DFA0A04FC94B}">
-                <ma14:wrappingTextBoxFlag xmlns="" xmlns:ma14="http://schemas.microsoft.com/office/mac/drawingml/2011/main" val="1"/>
+                <ma14:wrappingTextBoxFlag xmlns:ma14="http://schemas.microsoft.com/office/mac/drawingml/2011/main" xmlns="" val="1"/>
               </a:ext>
             </a:extLst>
           </p:spPr>
@@ -16807,7 +16784,7 @@
             </a:ln>
             <a:extLst>
               <a:ext uri="{C572A759-6A51-4108-AA02-DFA0A04FC94B}">
-                <ma14:wrappingTextBoxFlag xmlns="" xmlns:ma14="http://schemas.microsoft.com/office/mac/drawingml/2011/main" val="1"/>
+                <ma14:wrappingTextBoxFlag xmlns:ma14="http://schemas.microsoft.com/office/mac/drawingml/2011/main" xmlns="" val="1"/>
               </a:ext>
             </a:extLst>
           </p:spPr>
@@ -16984,7 +16961,7 @@
             </a:ln>
             <a:extLst>
               <a:ext uri="{C572A759-6A51-4108-AA02-DFA0A04FC94B}">
-                <ma14:wrappingTextBoxFlag xmlns="" xmlns:ma14="http://schemas.microsoft.com/office/mac/drawingml/2011/main" val="1"/>
+                <ma14:wrappingTextBoxFlag xmlns:ma14="http://schemas.microsoft.com/office/mac/drawingml/2011/main" xmlns="" val="1"/>
               </a:ext>
             </a:extLst>
           </p:spPr>
@@ -17167,7 +17144,7 @@
             </a:ln>
             <a:extLst>
               <a:ext uri="{C572A759-6A51-4108-AA02-DFA0A04FC94B}">
-                <ma14:wrappingTextBoxFlag xmlns="" xmlns:ma14="http://schemas.microsoft.com/office/mac/drawingml/2011/main" val="1"/>
+                <ma14:wrappingTextBoxFlag xmlns:ma14="http://schemas.microsoft.com/office/mac/drawingml/2011/main" xmlns="" val="1"/>
               </a:ext>
             </a:extLst>
           </p:spPr>
@@ -17227,7 +17204,7 @@
             </a:ln>
             <a:extLst>
               <a:ext uri="{C572A759-6A51-4108-AA02-DFA0A04FC94B}">
-                <ma14:wrappingTextBoxFlag xmlns="" xmlns:ma14="http://schemas.microsoft.com/office/mac/drawingml/2011/main" val="1"/>
+                <ma14:wrappingTextBoxFlag xmlns:ma14="http://schemas.microsoft.com/office/mac/drawingml/2011/main" xmlns="" val="1"/>
               </a:ext>
             </a:extLst>
           </p:spPr>
@@ -17281,7 +17258,7 @@
             </a:ln>
             <a:extLst>
               <a:ext uri="{C572A759-6A51-4108-AA02-DFA0A04FC94B}">
-                <ma14:wrappingTextBoxFlag xmlns="" xmlns:ma14="http://schemas.microsoft.com/office/mac/drawingml/2011/main" val="1"/>
+                <ma14:wrappingTextBoxFlag xmlns:ma14="http://schemas.microsoft.com/office/mac/drawingml/2011/main" xmlns="" val="1"/>
               </a:ext>
             </a:extLst>
           </p:spPr>
@@ -17401,7 +17378,7 @@
             </a:ln>
             <a:extLst>
               <a:ext uri="{C572A759-6A51-4108-AA02-DFA0A04FC94B}">
-                <ma14:wrappingTextBoxFlag xmlns="" xmlns:ma14="http://schemas.microsoft.com/office/mac/drawingml/2011/main" val="1"/>
+                <ma14:wrappingTextBoxFlag xmlns:ma14="http://schemas.microsoft.com/office/mac/drawingml/2011/main" xmlns="" val="1"/>
               </a:ext>
             </a:extLst>
           </p:spPr>
@@ -17488,7 +17465,7 @@
             </a:ln>
             <a:extLst>
               <a:ext uri="{C572A759-6A51-4108-AA02-DFA0A04FC94B}">
-                <ma14:wrappingTextBoxFlag xmlns="" xmlns:ma14="http://schemas.microsoft.com/office/mac/drawingml/2011/main" val="1"/>
+                <ma14:wrappingTextBoxFlag xmlns:ma14="http://schemas.microsoft.com/office/mac/drawingml/2011/main" xmlns="" val="1"/>
               </a:ext>
             </a:extLst>
           </p:spPr>
@@ -17535,7 +17512,7 @@
             </a:ln>
             <a:extLst>
               <a:ext uri="{C572A759-6A51-4108-AA02-DFA0A04FC94B}">
-                <ma14:wrappingTextBoxFlag xmlns="" xmlns:ma14="http://schemas.microsoft.com/office/mac/drawingml/2011/main" val="1"/>
+                <ma14:wrappingTextBoxFlag xmlns:ma14="http://schemas.microsoft.com/office/mac/drawingml/2011/main" xmlns="" val="1"/>
               </a:ext>
             </a:extLst>
           </p:spPr>
@@ -17687,7 +17664,7 @@
             </a:ln>
             <a:extLst>
               <a:ext uri="{C572A759-6A51-4108-AA02-DFA0A04FC94B}">
-                <ma14:wrappingTextBoxFlag xmlns="" xmlns:ma14="http://schemas.microsoft.com/office/mac/drawingml/2011/main" val="1"/>
+                <ma14:wrappingTextBoxFlag xmlns:ma14="http://schemas.microsoft.com/office/mac/drawingml/2011/main" xmlns="" val="1"/>
               </a:ext>
             </a:extLst>
           </p:spPr>
